--- a/コマンド一覧.pptx
+++ b/コマンド一覧.pptx
@@ -6,8 +6,10 @@
   </p:sldMasterIdLst>
   <p:sldIdLst>
     <p:sldId id="256" r:id="rId2"/>
-    <p:sldId id="257" r:id="rId3"/>
+    <p:sldId id="259" r:id="rId3"/>
     <p:sldId id="258" r:id="rId4"/>
+    <p:sldId id="260" r:id="rId5"/>
+    <p:sldId id="257" r:id="rId6"/>
   </p:sldIdLst>
   <p:sldSz cx="12192000" cy="6858000"/>
   <p:notesSz cx="6858000" cy="9144000"/>
@@ -106,6 +108,11 @@
       </a:defRPr>
     </a:lvl9pPr>
   </p:defaultTextStyle>
+  <p:extLst>
+    <p:ext uri="{EFAFB233-063F-42B5-8137-9DF3F51BA10A}">
+      <p15:sldGuideLst xmlns:p15="http://schemas.microsoft.com/office/powerpoint/2012/main"/>
+    </p:ext>
+  </p:extLst>
 </p:presentation>
 </file>
 
@@ -256,7 +263,7 @@
           <a:p>
             <a:fld id="{0ACAB4F0-435A-45F9-A672-AE7C4071EE92}" type="datetimeFigureOut">
               <a:rPr kumimoji="1" lang="ja-JP" altLang="en-US" smtClean="0"/>
-              <a:t>2021/5/23</a:t>
+              <a:t>2021/7/4</a:t>
             </a:fld>
             <a:endParaRPr kumimoji="1" lang="ja-JP" altLang="en-US"/>
           </a:p>
@@ -486,7 +493,7 @@
           <a:p>
             <a:fld id="{0ACAB4F0-435A-45F9-A672-AE7C4071EE92}" type="datetimeFigureOut">
               <a:rPr kumimoji="1" lang="ja-JP" altLang="en-US" smtClean="0"/>
-              <a:t>2021/5/23</a:t>
+              <a:t>2021/7/4</a:t>
             </a:fld>
             <a:endParaRPr kumimoji="1" lang="ja-JP" altLang="en-US"/>
           </a:p>
@@ -726,7 +733,7 @@
           <a:p>
             <a:fld id="{0ACAB4F0-435A-45F9-A672-AE7C4071EE92}" type="datetimeFigureOut">
               <a:rPr kumimoji="1" lang="ja-JP" altLang="en-US" smtClean="0"/>
-              <a:t>2021/5/23</a:t>
+              <a:t>2021/7/4</a:t>
             </a:fld>
             <a:endParaRPr kumimoji="1" lang="ja-JP" altLang="en-US"/>
           </a:p>
@@ -956,7 +963,7 @@
           <a:p>
             <a:fld id="{0ACAB4F0-435A-45F9-A672-AE7C4071EE92}" type="datetimeFigureOut">
               <a:rPr kumimoji="1" lang="ja-JP" altLang="en-US" smtClean="0"/>
-              <a:t>2021/5/23</a:t>
+              <a:t>2021/7/4</a:t>
             </a:fld>
             <a:endParaRPr kumimoji="1" lang="ja-JP" altLang="en-US"/>
           </a:p>
@@ -1231,7 +1238,7 @@
           <a:p>
             <a:fld id="{0ACAB4F0-435A-45F9-A672-AE7C4071EE92}" type="datetimeFigureOut">
               <a:rPr kumimoji="1" lang="ja-JP" altLang="en-US" smtClean="0"/>
-              <a:t>2021/5/23</a:t>
+              <a:t>2021/7/4</a:t>
             </a:fld>
             <a:endParaRPr kumimoji="1" lang="ja-JP" altLang="en-US"/>
           </a:p>
@@ -1560,7 +1567,7 @@
           <a:p>
             <a:fld id="{0ACAB4F0-435A-45F9-A672-AE7C4071EE92}" type="datetimeFigureOut">
               <a:rPr kumimoji="1" lang="ja-JP" altLang="en-US" smtClean="0"/>
-              <a:t>2021/5/23</a:t>
+              <a:t>2021/7/4</a:t>
             </a:fld>
             <a:endParaRPr kumimoji="1" lang="ja-JP" altLang="en-US"/>
           </a:p>
@@ -2036,7 +2043,7 @@
           <a:p>
             <a:fld id="{0ACAB4F0-435A-45F9-A672-AE7C4071EE92}" type="datetimeFigureOut">
               <a:rPr kumimoji="1" lang="ja-JP" altLang="en-US" smtClean="0"/>
-              <a:t>2021/5/23</a:t>
+              <a:t>2021/7/4</a:t>
             </a:fld>
             <a:endParaRPr kumimoji="1" lang="ja-JP" altLang="en-US"/>
           </a:p>
@@ -2177,7 +2184,7 @@
           <a:p>
             <a:fld id="{0ACAB4F0-435A-45F9-A672-AE7C4071EE92}" type="datetimeFigureOut">
               <a:rPr kumimoji="1" lang="ja-JP" altLang="en-US" smtClean="0"/>
-              <a:t>2021/5/23</a:t>
+              <a:t>2021/7/4</a:t>
             </a:fld>
             <a:endParaRPr kumimoji="1" lang="ja-JP" altLang="en-US"/>
           </a:p>
@@ -2290,7 +2297,7 @@
           <a:p>
             <a:fld id="{0ACAB4F0-435A-45F9-A672-AE7C4071EE92}" type="datetimeFigureOut">
               <a:rPr kumimoji="1" lang="ja-JP" altLang="en-US" smtClean="0"/>
-              <a:t>2021/5/23</a:t>
+              <a:t>2021/7/4</a:t>
             </a:fld>
             <a:endParaRPr kumimoji="1" lang="ja-JP" altLang="en-US"/>
           </a:p>
@@ -2633,7 +2640,7 @@
           <a:p>
             <a:fld id="{0ACAB4F0-435A-45F9-A672-AE7C4071EE92}" type="datetimeFigureOut">
               <a:rPr kumimoji="1" lang="ja-JP" altLang="en-US" smtClean="0"/>
-              <a:t>2021/5/23</a:t>
+              <a:t>2021/7/4</a:t>
             </a:fld>
             <a:endParaRPr kumimoji="1" lang="ja-JP" altLang="en-US"/>
           </a:p>
@@ -2921,7 +2928,7 @@
           <a:p>
             <a:fld id="{0ACAB4F0-435A-45F9-A672-AE7C4071EE92}" type="datetimeFigureOut">
               <a:rPr kumimoji="1" lang="ja-JP" altLang="en-US" smtClean="0"/>
-              <a:t>2021/5/23</a:t>
+              <a:t>2021/7/4</a:t>
             </a:fld>
             <a:endParaRPr kumimoji="1" lang="ja-JP" altLang="en-US"/>
           </a:p>
@@ -3194,7 +3201,7 @@
           <a:p>
             <a:fld id="{0ACAB4F0-435A-45F9-A672-AE7C4071EE92}" type="datetimeFigureOut">
               <a:rPr kumimoji="1" lang="ja-JP" altLang="en-US" smtClean="0"/>
-              <a:t>2021/5/23</a:t>
+              <a:t>2021/7/4</a:t>
             </a:fld>
             <a:endParaRPr kumimoji="1" lang="ja-JP" altLang="en-US"/>
           </a:p>
@@ -4214,7 +4221,7 @@
         <p:spPr>
           <a:xfrm>
             <a:off x="-1" y="58723"/>
-            <a:ext cx="3565321" cy="646331"/>
+            <a:ext cx="5746460" cy="2031325"/>
           </a:xfrm>
           <a:prstGeom prst="rect">
             <a:avLst/>
@@ -4266,7 +4273,7 @@
                 <a:latin typeface="メイリオ" panose="020B0604030504040204" pitchFamily="50" charset="-128"/>
                 <a:ea typeface="メイリオ" panose="020B0604030504040204" pitchFamily="50" charset="-128"/>
               </a:rPr>
-              <a:t>周数</a:t>
+              <a:t>パーティ</a:t>
             </a:r>
             <a:r>
               <a:rPr lang="en-US" altLang="ja-JP" dirty="0">
@@ -4280,6 +4287,20 @@
                 <a:latin typeface="メイリオ" panose="020B0604030504040204" pitchFamily="50" charset="-128"/>
                 <a:ea typeface="メイリオ" panose="020B0604030504040204" pitchFamily="50" charset="-128"/>
               </a:rPr>
+              <a:t>ダメージ</a:t>
+            </a:r>
+            <a:r>
+              <a:rPr lang="en-US" altLang="ja-JP" dirty="0">
+                <a:latin typeface="メイリオ" panose="020B0604030504040204" pitchFamily="50" charset="-128"/>
+                <a:ea typeface="メイリオ" panose="020B0604030504040204" pitchFamily="50" charset="-128"/>
+              </a:rPr>
+              <a:t>] [</a:t>
+            </a:r>
+            <a:r>
+              <a:rPr lang="ja-JP" altLang="en-US" dirty="0">
+                <a:latin typeface="メイリオ" panose="020B0604030504040204" pitchFamily="50" charset="-128"/>
+                <a:ea typeface="メイリオ" panose="020B0604030504040204" pitchFamily="50" charset="-128"/>
+              </a:rPr>
               <a:t>コメント</a:t>
             </a:r>
             <a:r>
@@ -4288,6 +4309,211 @@
                 <a:ea typeface="メイリオ" panose="020B0604030504040204" pitchFamily="50" charset="-128"/>
               </a:rPr>
               <a:t>]</a:t>
+            </a:r>
+          </a:p>
+          <a:p>
+            <a:r>
+              <a:rPr kumimoji="1" lang="ja-JP" altLang="en-US" dirty="0">
+                <a:latin typeface="メイリオ" panose="020B0604030504040204" pitchFamily="50" charset="-128"/>
+                <a:ea typeface="メイリオ" panose="020B0604030504040204" pitchFamily="50" charset="-128"/>
+              </a:rPr>
+              <a:t>ボス</a:t>
+            </a:r>
+            <a:r>
+              <a:rPr kumimoji="1" lang="en-US" altLang="ja-JP" dirty="0">
+                <a:latin typeface="メイリオ" panose="020B0604030504040204" pitchFamily="50" charset="-128"/>
+                <a:ea typeface="メイリオ" panose="020B0604030504040204" pitchFamily="50" charset="-128"/>
+              </a:rPr>
+              <a:t>No : 1 ~ 5</a:t>
+            </a:r>
+          </a:p>
+          <a:p>
+            <a:r>
+              <a:rPr lang="ja-JP" altLang="en-US" dirty="0">
+                <a:latin typeface="メイリオ" panose="020B0604030504040204" pitchFamily="50" charset="-128"/>
+                <a:ea typeface="メイリオ" panose="020B0604030504040204" pitchFamily="50" charset="-128"/>
+              </a:rPr>
+              <a:t>パーティ </a:t>
+            </a:r>
+            <a:r>
+              <a:rPr lang="en-US" altLang="ja-JP" dirty="0">
+                <a:latin typeface="メイリオ" panose="020B0604030504040204" pitchFamily="50" charset="-128"/>
+                <a:ea typeface="メイリオ" panose="020B0604030504040204" pitchFamily="50" charset="-128"/>
+              </a:rPr>
+              <a:t>: </a:t>
+            </a:r>
+            <a:r>
+              <a:rPr lang="ja-JP" altLang="en-US" dirty="0">
+                <a:latin typeface="メイリオ" panose="020B0604030504040204" pitchFamily="50" charset="-128"/>
+                <a:ea typeface="メイリオ" panose="020B0604030504040204" pitchFamily="50" charset="-128"/>
+              </a:rPr>
+              <a:t>物理</a:t>
+            </a:r>
+            <a:r>
+              <a:rPr lang="en-US" altLang="ja-JP" dirty="0">
+                <a:latin typeface="メイリオ" panose="020B0604030504040204" pitchFamily="50" charset="-128"/>
+                <a:ea typeface="メイリオ" panose="020B0604030504040204" pitchFamily="50" charset="-128"/>
+              </a:rPr>
+              <a:t>, </a:t>
+            </a:r>
+            <a:r>
+              <a:rPr lang="ja-JP" altLang="en-US" dirty="0">
+                <a:latin typeface="メイリオ" panose="020B0604030504040204" pitchFamily="50" charset="-128"/>
+                <a:ea typeface="メイリオ" panose="020B0604030504040204" pitchFamily="50" charset="-128"/>
+              </a:rPr>
+              <a:t>魔法</a:t>
+            </a:r>
+            <a:r>
+              <a:rPr lang="en-US" altLang="ja-JP" dirty="0">
+                <a:latin typeface="メイリオ" panose="020B0604030504040204" pitchFamily="50" charset="-128"/>
+                <a:ea typeface="メイリオ" panose="020B0604030504040204" pitchFamily="50" charset="-128"/>
+              </a:rPr>
+              <a:t>, </a:t>
+            </a:r>
+            <a:r>
+              <a:rPr lang="ja-JP" altLang="en-US" dirty="0">
+                <a:latin typeface="メイリオ" panose="020B0604030504040204" pitchFamily="50" charset="-128"/>
+                <a:ea typeface="メイリオ" panose="020B0604030504040204" pitchFamily="50" charset="-128"/>
+              </a:rPr>
+              <a:t>ニャル</a:t>
+            </a:r>
+            <a:endParaRPr lang="en-US" altLang="ja-JP" dirty="0">
+              <a:latin typeface="メイリオ" panose="020B0604030504040204" pitchFamily="50" charset="-128"/>
+              <a:ea typeface="メイリオ" panose="020B0604030504040204" pitchFamily="50" charset="-128"/>
+            </a:endParaRPr>
+          </a:p>
+          <a:p>
+            <a:r>
+              <a:rPr kumimoji="1" lang="ja-JP" altLang="en-US" dirty="0">
+                <a:latin typeface="メイリオ" panose="020B0604030504040204" pitchFamily="50" charset="-128"/>
+                <a:ea typeface="メイリオ" panose="020B0604030504040204" pitchFamily="50" charset="-128"/>
+              </a:rPr>
+              <a:t>ダメージ </a:t>
+            </a:r>
+            <a:r>
+              <a:rPr kumimoji="1" lang="en-US" altLang="ja-JP" dirty="0">
+                <a:latin typeface="メイリオ" panose="020B0604030504040204" pitchFamily="50" charset="-128"/>
+                <a:ea typeface="メイリオ" panose="020B0604030504040204" pitchFamily="50" charset="-128"/>
+              </a:rPr>
+              <a:t>: 100</a:t>
+            </a:r>
+            <a:r>
+              <a:rPr kumimoji="1" lang="ja-JP" altLang="en-US" dirty="0">
+                <a:latin typeface="メイリオ" panose="020B0604030504040204" pitchFamily="50" charset="-128"/>
+                <a:ea typeface="メイリオ" panose="020B0604030504040204" pitchFamily="50" charset="-128"/>
+              </a:rPr>
+              <a:t>万 </a:t>
+            </a:r>
+            <a:r>
+              <a:rPr kumimoji="1" lang="en-US" altLang="ja-JP" dirty="0">
+                <a:latin typeface="メイリオ" panose="020B0604030504040204" pitchFamily="50" charset="-128"/>
+                <a:ea typeface="メイリオ" panose="020B0604030504040204" pitchFamily="50" charset="-128"/>
+              </a:rPr>
+              <a:t>or 100</a:t>
+            </a:r>
+          </a:p>
+          <a:p>
+            <a:r>
+              <a:rPr lang="ja-JP" altLang="en-US" dirty="0">
+                <a:latin typeface="メイリオ" panose="020B0604030504040204" pitchFamily="50" charset="-128"/>
+                <a:ea typeface="メイリオ" panose="020B0604030504040204" pitchFamily="50" charset="-128"/>
+              </a:rPr>
+              <a:t>　　　　   ワンパン </a:t>
+            </a:r>
+            <a:r>
+              <a:rPr lang="en-US" altLang="ja-JP" dirty="0">
+                <a:latin typeface="メイリオ" panose="020B0604030504040204" pitchFamily="50" charset="-128"/>
+                <a:ea typeface="メイリオ" panose="020B0604030504040204" pitchFamily="50" charset="-128"/>
+              </a:rPr>
+              <a:t>or -1</a:t>
+            </a:r>
+          </a:p>
+          <a:p>
+            <a:r>
+              <a:rPr kumimoji="1" lang="ja-JP" altLang="en-US" dirty="0">
+                <a:latin typeface="メイリオ" panose="020B0604030504040204" pitchFamily="50" charset="-128"/>
+                <a:ea typeface="メイリオ" panose="020B0604030504040204" pitchFamily="50" charset="-128"/>
+              </a:rPr>
+              <a:t>コメント </a:t>
+            </a:r>
+            <a:r>
+              <a:rPr kumimoji="1" lang="en-US" altLang="ja-JP" dirty="0">
+                <a:latin typeface="メイリオ" panose="020B0604030504040204" pitchFamily="50" charset="-128"/>
+                <a:ea typeface="メイリオ" panose="020B0604030504040204" pitchFamily="50" charset="-128"/>
+              </a:rPr>
+              <a:t>: </a:t>
+            </a:r>
+            <a:r>
+              <a:rPr kumimoji="1" lang="ja-JP" altLang="en-US" dirty="0">
+                <a:latin typeface="メイリオ" panose="020B0604030504040204" pitchFamily="50" charset="-128"/>
+                <a:ea typeface="メイリオ" panose="020B0604030504040204" pitchFamily="50" charset="-128"/>
+              </a:rPr>
+              <a:t>省略可</a:t>
+            </a:r>
+          </a:p>
+        </p:txBody>
+      </p:sp>
+      <p:sp>
+        <p:nvSpPr>
+          <p:cNvPr id="7" name="テキスト ボックス 6">
+            <a:extLst>
+              <a:ext uri="{FF2B5EF4-FFF2-40B4-BE49-F238E27FC236}">
+                <a16:creationId xmlns:a16="http://schemas.microsoft.com/office/drawing/2014/main" id="{D6F14A2F-8FAD-4194-B346-31EBCCD9442A}"/>
+              </a:ext>
+            </a:extLst>
+          </p:cNvPr>
+          <p:cNvSpPr txBox="1"/>
+          <p:nvPr/>
+        </p:nvSpPr>
+        <p:spPr>
+          <a:xfrm>
+            <a:off x="5819277" y="47181"/>
+            <a:ext cx="3565321" cy="646331"/>
+          </a:xfrm>
+          <a:prstGeom prst="rect">
+            <a:avLst/>
+          </a:prstGeom>
+          <a:noFill/>
+        </p:spPr>
+        <p:txBody>
+          <a:bodyPr wrap="square" rtlCol="0">
+            <a:spAutoFit/>
+          </a:bodyPr>
+          <a:lstStyle/>
+          <a:p>
+            <a:r>
+              <a:rPr lang="ja-JP" altLang="en-US" b="1" dirty="0">
+                <a:latin typeface="メイリオ" panose="020B0604030504040204" pitchFamily="50" charset="-128"/>
+                <a:ea typeface="メイリオ" panose="020B0604030504040204" pitchFamily="50" charset="-128"/>
+              </a:rPr>
+              <a:t>凸予約の削除</a:t>
+            </a:r>
+            <a:endParaRPr lang="en-US" altLang="ja-JP" b="1" dirty="0">
+              <a:latin typeface="メイリオ" panose="020B0604030504040204" pitchFamily="50" charset="-128"/>
+              <a:ea typeface="メイリオ" panose="020B0604030504040204" pitchFamily="50" charset="-128"/>
+            </a:endParaRPr>
+          </a:p>
+          <a:p>
+            <a:r>
+              <a:rPr lang="en-US" altLang="ja-JP" dirty="0">
+                <a:latin typeface="メイリオ" panose="020B0604030504040204" pitchFamily="50" charset="-128"/>
+                <a:ea typeface="メイリオ" panose="020B0604030504040204" pitchFamily="50" charset="-128"/>
+              </a:rPr>
+              <a:t>.del [</a:t>
+            </a:r>
+            <a:r>
+              <a:rPr lang="ja-JP" altLang="en-US" dirty="0">
+                <a:latin typeface="メイリオ" panose="020B0604030504040204" pitchFamily="50" charset="-128"/>
+                <a:ea typeface="メイリオ" panose="020B0604030504040204" pitchFamily="50" charset="-128"/>
+              </a:rPr>
+              <a:t>予約</a:t>
+            </a:r>
+            <a:r>
+              <a:rPr lang="en-US" altLang="ja-JP" dirty="0">
+                <a:latin typeface="メイリオ" panose="020B0604030504040204" pitchFamily="50" charset="-128"/>
+                <a:ea typeface="メイリオ" panose="020B0604030504040204" pitchFamily="50" charset="-128"/>
+              </a:rPr>
+              <a:t>No]</a:t>
             </a:r>
             <a:endParaRPr kumimoji="1" lang="ja-JP" altLang="en-US" dirty="0">
               <a:latin typeface="メイリオ" panose="020B0604030504040204" pitchFamily="50" charset="-128"/>
@@ -4298,10 +4524,10 @@
       </p:sp>
       <p:pic>
         <p:nvPicPr>
-          <p:cNvPr id="6" name="図 5">
-            <a:extLst>
-              <a:ext uri="{FF2B5EF4-FFF2-40B4-BE49-F238E27FC236}">
-                <a16:creationId xmlns:a16="http://schemas.microsoft.com/office/drawing/2014/main" id="{E330370F-982C-45F4-860B-3AA55FC67AC2}"/>
+          <p:cNvPr id="9" name="図 8">
+            <a:extLst>
+              <a:ext uri="{FF2B5EF4-FFF2-40B4-BE49-F238E27FC236}">
+                <a16:creationId xmlns:a16="http://schemas.microsoft.com/office/drawing/2014/main" id="{774E0F08-7AEF-4728-9DAA-5354EE87D1C6}"/>
               </a:ext>
             </a:extLst>
           </p:cNvPr>
@@ -4318,8 +4544,8 @@
         </p:blipFill>
         <p:spPr>
           <a:xfrm>
-            <a:off x="84464" y="705054"/>
-            <a:ext cx="3667637" cy="1238423"/>
+            <a:off x="5947795" y="693512"/>
+            <a:ext cx="3115110" cy="2476846"/>
           </a:xfrm>
           <a:prstGeom prst="rect">
             <a:avLst/>
@@ -4328,105 +4554,6 @@
       </p:pic>
       <p:sp>
         <p:nvSpPr>
-          <p:cNvPr id="7" name="テキスト ボックス 6">
-            <a:extLst>
-              <a:ext uri="{FF2B5EF4-FFF2-40B4-BE49-F238E27FC236}">
-                <a16:creationId xmlns:a16="http://schemas.microsoft.com/office/drawing/2014/main" id="{D6F14A2F-8FAD-4194-B346-31EBCCD9442A}"/>
-              </a:ext>
-            </a:extLst>
-          </p:cNvPr>
-          <p:cNvSpPr txBox="1"/>
-          <p:nvPr/>
-        </p:nvSpPr>
-        <p:spPr>
-          <a:xfrm>
-            <a:off x="4313339" y="58722"/>
-            <a:ext cx="3565321" cy="646331"/>
-          </a:xfrm>
-          <a:prstGeom prst="rect">
-            <a:avLst/>
-          </a:prstGeom>
-          <a:noFill/>
-        </p:spPr>
-        <p:txBody>
-          <a:bodyPr wrap="square" rtlCol="0">
-            <a:spAutoFit/>
-          </a:bodyPr>
-          <a:lstStyle/>
-          <a:p>
-            <a:r>
-              <a:rPr lang="ja-JP" altLang="en-US" b="1" dirty="0">
-                <a:latin typeface="メイリオ" panose="020B0604030504040204" pitchFamily="50" charset="-128"/>
-                <a:ea typeface="メイリオ" panose="020B0604030504040204" pitchFamily="50" charset="-128"/>
-              </a:rPr>
-              <a:t>凸予約の削除</a:t>
-            </a:r>
-            <a:endParaRPr lang="en-US" altLang="ja-JP" b="1" dirty="0">
-              <a:latin typeface="メイリオ" panose="020B0604030504040204" pitchFamily="50" charset="-128"/>
-              <a:ea typeface="メイリオ" panose="020B0604030504040204" pitchFamily="50" charset="-128"/>
-            </a:endParaRPr>
-          </a:p>
-          <a:p>
-            <a:r>
-              <a:rPr lang="en-US" altLang="ja-JP" dirty="0">
-                <a:latin typeface="メイリオ" panose="020B0604030504040204" pitchFamily="50" charset="-128"/>
-                <a:ea typeface="メイリオ" panose="020B0604030504040204" pitchFamily="50" charset="-128"/>
-              </a:rPr>
-              <a:t>.del [</a:t>
-            </a:r>
-            <a:r>
-              <a:rPr lang="ja-JP" altLang="en-US" dirty="0">
-                <a:latin typeface="メイリオ" panose="020B0604030504040204" pitchFamily="50" charset="-128"/>
-                <a:ea typeface="メイリオ" panose="020B0604030504040204" pitchFamily="50" charset="-128"/>
-              </a:rPr>
-              <a:t>予約</a:t>
-            </a:r>
-            <a:r>
-              <a:rPr lang="en-US" altLang="ja-JP" dirty="0">
-                <a:latin typeface="メイリオ" panose="020B0604030504040204" pitchFamily="50" charset="-128"/>
-                <a:ea typeface="メイリオ" panose="020B0604030504040204" pitchFamily="50" charset="-128"/>
-              </a:rPr>
-              <a:t>No]</a:t>
-            </a:r>
-            <a:endParaRPr kumimoji="1" lang="ja-JP" altLang="en-US" dirty="0">
-              <a:latin typeface="メイリオ" panose="020B0604030504040204" pitchFamily="50" charset="-128"/>
-              <a:ea typeface="メイリオ" panose="020B0604030504040204" pitchFamily="50" charset="-128"/>
-            </a:endParaRPr>
-          </a:p>
-        </p:txBody>
-      </p:sp>
-      <p:pic>
-        <p:nvPicPr>
-          <p:cNvPr id="9" name="図 8">
-            <a:extLst>
-              <a:ext uri="{FF2B5EF4-FFF2-40B4-BE49-F238E27FC236}">
-                <a16:creationId xmlns:a16="http://schemas.microsoft.com/office/drawing/2014/main" id="{774E0F08-7AEF-4728-9DAA-5354EE87D1C6}"/>
-              </a:ext>
-            </a:extLst>
-          </p:cNvPr>
-          <p:cNvPicPr>
-            <a:picLocks noChangeAspect="1"/>
-          </p:cNvPicPr>
-          <p:nvPr/>
-        </p:nvPicPr>
-        <p:blipFill>
-          <a:blip r:embed="rId3"/>
-          <a:stretch>
-            <a:fillRect/>
-          </a:stretch>
-        </p:blipFill>
-        <p:spPr>
-          <a:xfrm>
-            <a:off x="4420999" y="705053"/>
-            <a:ext cx="3115110" cy="2476846"/>
-          </a:xfrm>
-          <a:prstGeom prst="rect">
-            <a:avLst/>
-          </a:prstGeom>
-        </p:spPr>
-      </p:pic>
-      <p:sp>
-        <p:nvSpPr>
           <p:cNvPr id="10" name="正方形/長方形 9">
             <a:extLst>
               <a:ext uri="{FF2B5EF4-FFF2-40B4-BE49-F238E27FC236}">
@@ -4439,7 +4566,7 @@
         </p:nvSpPr>
         <p:spPr>
           <a:xfrm>
-            <a:off x="5133873" y="2354244"/>
+            <a:off x="6660669" y="2342703"/>
             <a:ext cx="266328" cy="179198"/>
           </a:xfrm>
           <a:prstGeom prst="rect">
@@ -4491,7 +4618,7 @@
         </p:nvSpPr>
         <p:spPr>
           <a:xfrm>
-            <a:off x="7661946" y="1620310"/>
+            <a:off x="9188742" y="1608769"/>
             <a:ext cx="978716" cy="369332"/>
           </a:xfrm>
           <a:prstGeom prst="rect">
@@ -4543,7 +4670,7 @@
         </p:nvCxnSpPr>
         <p:spPr>
           <a:xfrm flipH="1">
-            <a:off x="5423156" y="1804976"/>
+            <a:off x="6949952" y="1793435"/>
             <a:ext cx="2238790" cy="664001"/>
           </a:xfrm>
           <a:prstGeom prst="straightConnector1">
@@ -4586,14 +4713,14 @@
           <p:nvPr/>
         </p:nvPicPr>
         <p:blipFill>
-          <a:blip r:embed="rId4"/>
+          <a:blip r:embed="rId3"/>
           <a:stretch>
             <a:fillRect/>
           </a:stretch>
         </p:blipFill>
         <p:spPr>
           <a:xfrm>
-            <a:off x="7638177" y="1989642"/>
+            <a:off x="5965214" y="3791613"/>
             <a:ext cx="3315163" cy="1171739"/>
           </a:xfrm>
           <a:prstGeom prst="rect">
@@ -4615,7 +4742,7 @@
         </p:nvSpPr>
         <p:spPr>
           <a:xfrm>
-            <a:off x="8565161" y="2239477"/>
+            <a:off x="6878646" y="4040244"/>
             <a:ext cx="142611" cy="212721"/>
           </a:xfrm>
           <a:prstGeom prst="rect">
@@ -4664,14 +4791,13 @@
           </p:cNvPr>
           <p:cNvCxnSpPr>
             <a:cxnSpLocks/>
-            <a:stCxn id="11" idx="3"/>
           </p:cNvCxnSpPr>
           <p:nvPr/>
         </p:nvCxnSpPr>
         <p:spPr>
           <a:xfrm flipH="1">
-            <a:off x="8636466" y="1804976"/>
-            <a:ext cx="4196" cy="424334"/>
+            <a:off x="6878646" y="1931935"/>
+            <a:ext cx="2526927" cy="2108309"/>
           </a:xfrm>
           <a:prstGeom prst="straightConnector1">
             <a:avLst/>
@@ -4698,160 +4824,12 @@
           </a:fontRef>
         </p:style>
       </p:cxnSp>
-      <p:sp>
-        <p:nvSpPr>
-          <p:cNvPr id="20" name="テキスト ボックス 19">
-            <a:extLst>
-              <a:ext uri="{FF2B5EF4-FFF2-40B4-BE49-F238E27FC236}">
-                <a16:creationId xmlns:a16="http://schemas.microsoft.com/office/drawing/2014/main" id="{3C06C40D-7A57-4882-8A38-9D3E9FAC60A2}"/>
-              </a:ext>
-            </a:extLst>
-          </p:cNvPr>
-          <p:cNvSpPr txBox="1"/>
-          <p:nvPr/>
-        </p:nvSpPr>
-        <p:spPr>
-          <a:xfrm>
-            <a:off x="-2" y="3429000"/>
-            <a:ext cx="6096002" cy="923330"/>
-          </a:xfrm>
-          <a:prstGeom prst="rect">
-            <a:avLst/>
-          </a:prstGeom>
-          <a:noFill/>
-        </p:spPr>
-        <p:txBody>
-          <a:bodyPr wrap="square" rtlCol="0">
-            <a:spAutoFit/>
-          </a:bodyPr>
-          <a:lstStyle/>
-          <a:p>
-            <a:r>
-              <a:rPr kumimoji="1" lang="ja-JP" altLang="en-US" b="1" dirty="0">
-                <a:latin typeface="メイリオ" panose="020B0604030504040204" pitchFamily="50" charset="-128"/>
-                <a:ea typeface="メイリオ" panose="020B0604030504040204" pitchFamily="50" charset="-128"/>
-              </a:rPr>
-              <a:t>持越しの登録</a:t>
-            </a:r>
-            <a:endParaRPr kumimoji="1" lang="en-US" altLang="ja-JP" b="1" dirty="0">
-              <a:latin typeface="メイリオ" panose="020B0604030504040204" pitchFamily="50" charset="-128"/>
-              <a:ea typeface="メイリオ" panose="020B0604030504040204" pitchFamily="50" charset="-128"/>
-            </a:endParaRPr>
-          </a:p>
-          <a:p>
-            <a:r>
-              <a:rPr lang="en-US" altLang="ja-JP" dirty="0">
-                <a:latin typeface="メイリオ" panose="020B0604030504040204" pitchFamily="50" charset="-128"/>
-                <a:ea typeface="メイリオ" panose="020B0604030504040204" pitchFamily="50" charset="-128"/>
-              </a:rPr>
-              <a:t>.co [</a:t>
-            </a:r>
-            <a:r>
-              <a:rPr lang="ja-JP" altLang="en-US" dirty="0">
-                <a:latin typeface="メイリオ" panose="020B0604030504040204" pitchFamily="50" charset="-128"/>
-                <a:ea typeface="メイリオ" panose="020B0604030504040204" pitchFamily="50" charset="-128"/>
-              </a:rPr>
-              <a:t>ボス</a:t>
-            </a:r>
-            <a:r>
-              <a:rPr lang="en-US" altLang="ja-JP" dirty="0">
-                <a:latin typeface="メイリオ" panose="020B0604030504040204" pitchFamily="50" charset="-128"/>
-                <a:ea typeface="メイリオ" panose="020B0604030504040204" pitchFamily="50" charset="-128"/>
-              </a:rPr>
-              <a:t>No] [</a:t>
-            </a:r>
-            <a:r>
-              <a:rPr lang="ja-JP" altLang="en-US" dirty="0">
-                <a:latin typeface="メイリオ" panose="020B0604030504040204" pitchFamily="50" charset="-128"/>
-                <a:ea typeface="メイリオ" panose="020B0604030504040204" pitchFamily="50" charset="-128"/>
-              </a:rPr>
-              <a:t>残秒数</a:t>
-            </a:r>
-            <a:r>
-              <a:rPr lang="en-US" altLang="ja-JP" dirty="0">
-                <a:latin typeface="メイリオ" panose="020B0604030504040204" pitchFamily="50" charset="-128"/>
-                <a:ea typeface="メイリオ" panose="020B0604030504040204" pitchFamily="50" charset="-128"/>
-              </a:rPr>
-              <a:t>] </a:t>
-            </a:r>
-          </a:p>
-          <a:p>
-            <a:r>
-              <a:rPr lang="en-US" altLang="ja-JP" dirty="0">
-                <a:latin typeface="メイリオ" panose="020B0604030504040204" pitchFamily="50" charset="-128"/>
-                <a:ea typeface="メイリオ" panose="020B0604030504040204" pitchFamily="50" charset="-128"/>
-              </a:rPr>
-              <a:t>[</a:t>
-            </a:r>
-            <a:r>
-              <a:rPr lang="ja-JP" altLang="en-US" dirty="0">
-                <a:latin typeface="メイリオ" panose="020B0604030504040204" pitchFamily="50" charset="-128"/>
-                <a:ea typeface="メイリオ" panose="020B0604030504040204" pitchFamily="50" charset="-128"/>
-              </a:rPr>
-              <a:t>物理</a:t>
-            </a:r>
-            <a:r>
-              <a:rPr lang="en-US" altLang="ja-JP" dirty="0">
-                <a:latin typeface="メイリオ" panose="020B0604030504040204" pitchFamily="50" charset="-128"/>
-                <a:ea typeface="メイリオ" panose="020B0604030504040204" pitchFamily="50" charset="-128"/>
-              </a:rPr>
-              <a:t>or</a:t>
-            </a:r>
-            <a:r>
-              <a:rPr lang="ja-JP" altLang="en-US" dirty="0">
-                <a:latin typeface="メイリオ" panose="020B0604030504040204" pitchFamily="50" charset="-128"/>
-                <a:ea typeface="メイリオ" panose="020B0604030504040204" pitchFamily="50" charset="-128"/>
-              </a:rPr>
-              <a:t>魔法</a:t>
-            </a:r>
-            <a:r>
-              <a:rPr lang="en-US" altLang="ja-JP" dirty="0">
-                <a:latin typeface="メイリオ" panose="020B0604030504040204" pitchFamily="50" charset="-128"/>
-                <a:ea typeface="メイリオ" panose="020B0604030504040204" pitchFamily="50" charset="-128"/>
-              </a:rPr>
-              <a:t>or</a:t>
-            </a:r>
-            <a:r>
-              <a:rPr lang="ja-JP" altLang="en-US" dirty="0">
-                <a:latin typeface="メイリオ" panose="020B0604030504040204" pitchFamily="50" charset="-128"/>
-                <a:ea typeface="メイリオ" panose="020B0604030504040204" pitchFamily="50" charset="-128"/>
-              </a:rPr>
-              <a:t>ニャル</a:t>
-            </a:r>
-            <a:r>
-              <a:rPr lang="en-US" altLang="ja-JP" dirty="0">
-                <a:latin typeface="メイリオ" panose="020B0604030504040204" pitchFamily="50" charset="-128"/>
-                <a:ea typeface="メイリオ" panose="020B0604030504040204" pitchFamily="50" charset="-128"/>
-              </a:rPr>
-              <a:t>] [</a:t>
-            </a:r>
-            <a:r>
-              <a:rPr lang="ja-JP" altLang="en-US" dirty="0">
-                <a:latin typeface="メイリオ" panose="020B0604030504040204" pitchFamily="50" charset="-128"/>
-                <a:ea typeface="メイリオ" panose="020B0604030504040204" pitchFamily="50" charset="-128"/>
-              </a:rPr>
-              <a:t>コメント</a:t>
-            </a:r>
-            <a:r>
-              <a:rPr lang="en-US" altLang="ja-JP" dirty="0">
-                <a:latin typeface="メイリオ" panose="020B0604030504040204" pitchFamily="50" charset="-128"/>
-                <a:ea typeface="メイリオ" panose="020B0604030504040204" pitchFamily="50" charset="-128"/>
-              </a:rPr>
-              <a:t>]</a:t>
-            </a:r>
-            <a:endParaRPr kumimoji="1" lang="ja-JP" altLang="en-US" dirty="0">
-              <a:latin typeface="メイリオ" panose="020B0604030504040204" pitchFamily="50" charset="-128"/>
-              <a:ea typeface="メイリオ" panose="020B0604030504040204" pitchFamily="50" charset="-128"/>
-            </a:endParaRPr>
-          </a:p>
-        </p:txBody>
-      </p:sp>
       <p:pic>
         <p:nvPicPr>
-          <p:cNvPr id="22" name="図 21">
-            <a:extLst>
-              <a:ext uri="{FF2B5EF4-FFF2-40B4-BE49-F238E27FC236}">
-                <a16:creationId xmlns:a16="http://schemas.microsoft.com/office/drawing/2014/main" id="{8A905703-FE2B-4921-83C8-F648E5A5556C}"/>
+          <p:cNvPr id="6" name="図 5">
+            <a:extLst>
+              <a:ext uri="{FF2B5EF4-FFF2-40B4-BE49-F238E27FC236}">
+                <a16:creationId xmlns:a16="http://schemas.microsoft.com/office/drawing/2014/main" id="{AF645465-42FA-47D0-B671-2E48DDBCAE20}"/>
               </a:ext>
             </a:extLst>
           </p:cNvPr>
@@ -4861,15 +4839,15 @@
           <p:nvPr/>
         </p:nvPicPr>
         <p:blipFill>
-          <a:blip r:embed="rId5"/>
+          <a:blip r:embed="rId4"/>
           <a:stretch>
             <a:fillRect/>
           </a:stretch>
         </p:blipFill>
         <p:spPr>
           <a:xfrm>
-            <a:off x="67301" y="4352330"/>
-            <a:ext cx="3019846" cy="1162212"/>
+            <a:off x="106287" y="1968617"/>
+            <a:ext cx="3372321" cy="4877481"/>
           </a:xfrm>
           <a:prstGeom prst="rect">
             <a:avLst/>
@@ -4878,198 +4856,10 @@
       </p:pic>
       <p:sp>
         <p:nvSpPr>
-          <p:cNvPr id="23" name="テキスト ボックス 22">
-            <a:extLst>
-              <a:ext uri="{FF2B5EF4-FFF2-40B4-BE49-F238E27FC236}">
-                <a16:creationId xmlns:a16="http://schemas.microsoft.com/office/drawing/2014/main" id="{4E74F4A6-606D-48D9-A4FA-DDED674BAB33}"/>
-              </a:ext>
-            </a:extLst>
-          </p:cNvPr>
-          <p:cNvSpPr txBox="1"/>
-          <p:nvPr/>
-        </p:nvSpPr>
-        <p:spPr>
-          <a:xfrm>
-            <a:off x="4352714" y="3541419"/>
-            <a:ext cx="2315744" cy="646331"/>
-          </a:xfrm>
-          <a:prstGeom prst="rect">
-            <a:avLst/>
-          </a:prstGeom>
-          <a:noFill/>
-        </p:spPr>
-        <p:txBody>
-          <a:bodyPr wrap="square" rtlCol="0">
-            <a:spAutoFit/>
-          </a:bodyPr>
-          <a:lstStyle/>
-          <a:p>
-            <a:r>
-              <a:rPr kumimoji="1" lang="ja-JP" altLang="en-US" b="1" dirty="0">
-                <a:latin typeface="メイリオ" panose="020B0604030504040204" pitchFamily="50" charset="-128"/>
-                <a:ea typeface="メイリオ" panose="020B0604030504040204" pitchFamily="50" charset="-128"/>
-              </a:rPr>
-              <a:t>持越しの削除</a:t>
-            </a:r>
-            <a:endParaRPr kumimoji="1" lang="en-US" altLang="ja-JP" b="1" dirty="0">
-              <a:latin typeface="メイリオ" panose="020B0604030504040204" pitchFamily="50" charset="-128"/>
-              <a:ea typeface="メイリオ" panose="020B0604030504040204" pitchFamily="50" charset="-128"/>
-            </a:endParaRPr>
-          </a:p>
-          <a:p>
-            <a:r>
-              <a:rPr lang="en-US" altLang="ja-JP" dirty="0">
-                <a:latin typeface="メイリオ" panose="020B0604030504040204" pitchFamily="50" charset="-128"/>
-                <a:ea typeface="メイリオ" panose="020B0604030504040204" pitchFamily="50" charset="-128"/>
-              </a:rPr>
-              <a:t>.</a:t>
-            </a:r>
-            <a:r>
-              <a:rPr lang="en-US" altLang="ja-JP" dirty="0" err="1">
-                <a:latin typeface="メイリオ" panose="020B0604030504040204" pitchFamily="50" charset="-128"/>
-                <a:ea typeface="メイリオ" panose="020B0604030504040204" pitchFamily="50" charset="-128"/>
-              </a:rPr>
-              <a:t>delco</a:t>
-            </a:r>
-            <a:r>
-              <a:rPr lang="en-US" altLang="ja-JP" dirty="0">
-                <a:latin typeface="メイリオ" panose="020B0604030504040204" pitchFamily="50" charset="-128"/>
-                <a:ea typeface="メイリオ" panose="020B0604030504040204" pitchFamily="50" charset="-128"/>
-              </a:rPr>
-              <a:t> [</a:t>
-            </a:r>
-            <a:r>
-              <a:rPr lang="ja-JP" altLang="en-US" dirty="0">
-                <a:latin typeface="メイリオ" panose="020B0604030504040204" pitchFamily="50" charset="-128"/>
-                <a:ea typeface="メイリオ" panose="020B0604030504040204" pitchFamily="50" charset="-128"/>
-              </a:rPr>
-              <a:t>持越し</a:t>
-            </a:r>
-            <a:r>
-              <a:rPr lang="en-US" altLang="ja-JP" dirty="0">
-                <a:latin typeface="メイリオ" panose="020B0604030504040204" pitchFamily="50" charset="-128"/>
-                <a:ea typeface="メイリオ" panose="020B0604030504040204" pitchFamily="50" charset="-128"/>
-              </a:rPr>
-              <a:t>No]</a:t>
-            </a:r>
-            <a:endParaRPr kumimoji="1" lang="ja-JP" altLang="en-US" dirty="0">
-              <a:latin typeface="メイリオ" panose="020B0604030504040204" pitchFamily="50" charset="-128"/>
-              <a:ea typeface="メイリオ" panose="020B0604030504040204" pitchFamily="50" charset="-128"/>
-            </a:endParaRPr>
-          </a:p>
-        </p:txBody>
-      </p:sp>
-      <p:sp>
-        <p:nvSpPr>
-          <p:cNvPr id="24" name="テキスト ボックス 23">
-            <a:extLst>
-              <a:ext uri="{FF2B5EF4-FFF2-40B4-BE49-F238E27FC236}">
-                <a16:creationId xmlns:a16="http://schemas.microsoft.com/office/drawing/2014/main" id="{5D309C6E-0581-4A06-9B6F-CED31CEAC7BC}"/>
-              </a:ext>
-            </a:extLst>
-          </p:cNvPr>
-          <p:cNvSpPr txBox="1"/>
-          <p:nvPr/>
-        </p:nvSpPr>
-        <p:spPr>
-          <a:xfrm>
-            <a:off x="-3" y="5530443"/>
-            <a:ext cx="4313342" cy="369332"/>
-          </a:xfrm>
-          <a:prstGeom prst="rect">
-            <a:avLst/>
-          </a:prstGeom>
-          <a:noFill/>
-        </p:spPr>
-        <p:txBody>
-          <a:bodyPr wrap="square" rtlCol="0">
-            <a:spAutoFit/>
-          </a:bodyPr>
-          <a:lstStyle/>
-          <a:p>
-            <a:r>
-              <a:rPr kumimoji="1" lang="en-US" altLang="ja-JP" dirty="0">
-                <a:latin typeface="メイリオ" panose="020B0604030504040204" pitchFamily="50" charset="-128"/>
-                <a:ea typeface="メイリオ" panose="020B0604030504040204" pitchFamily="50" charset="-128"/>
-              </a:rPr>
-              <a:t>※</a:t>
-            </a:r>
-            <a:r>
-              <a:rPr kumimoji="1" lang="ja-JP" altLang="en-US" dirty="0">
-                <a:latin typeface="メイリオ" panose="020B0604030504040204" pitchFamily="50" charset="-128"/>
-                <a:ea typeface="メイリオ" panose="020B0604030504040204" pitchFamily="50" charset="-128"/>
-              </a:rPr>
-              <a:t>上書きも同じコマンドをもう一回送信</a:t>
-            </a:r>
-          </a:p>
-        </p:txBody>
-      </p:sp>
-      <p:pic>
-        <p:nvPicPr>
-          <p:cNvPr id="28" name="図 27">
-            <a:extLst>
-              <a:ext uri="{FF2B5EF4-FFF2-40B4-BE49-F238E27FC236}">
-                <a16:creationId xmlns:a16="http://schemas.microsoft.com/office/drawing/2014/main" id="{108A38AD-D8E3-4A75-9689-4346B0933DD6}"/>
-              </a:ext>
-            </a:extLst>
-          </p:cNvPr>
-          <p:cNvPicPr>
-            <a:picLocks noChangeAspect="1"/>
-          </p:cNvPicPr>
-          <p:nvPr/>
-        </p:nvPicPr>
-        <p:blipFill>
-          <a:blip r:embed="rId6"/>
-          <a:stretch>
-            <a:fillRect/>
-          </a:stretch>
-        </p:blipFill>
-        <p:spPr>
-          <a:xfrm>
-            <a:off x="4420999" y="4182633"/>
-            <a:ext cx="3541583" cy="2316675"/>
-          </a:xfrm>
-          <a:prstGeom prst="rect">
-            <a:avLst/>
-          </a:prstGeom>
-        </p:spPr>
-      </p:pic>
-      <p:pic>
-        <p:nvPicPr>
-          <p:cNvPr id="30" name="図 29">
-            <a:extLst>
-              <a:ext uri="{FF2B5EF4-FFF2-40B4-BE49-F238E27FC236}">
-                <a16:creationId xmlns:a16="http://schemas.microsoft.com/office/drawing/2014/main" id="{CE5BCE71-B2F1-4121-8954-CB84D8FBCC0F}"/>
-              </a:ext>
-            </a:extLst>
-          </p:cNvPr>
-          <p:cNvPicPr>
-            <a:picLocks noChangeAspect="1"/>
-          </p:cNvPicPr>
-          <p:nvPr/>
-        </p:nvPicPr>
-        <p:blipFill>
-          <a:blip r:embed="rId7"/>
-          <a:stretch>
-            <a:fillRect/>
-          </a:stretch>
-        </p:blipFill>
-        <p:spPr>
-          <a:xfrm>
-            <a:off x="8147108" y="5252437"/>
-            <a:ext cx="3124636" cy="1238423"/>
-          </a:xfrm>
-          <a:prstGeom prst="rect">
-            <a:avLst/>
-          </a:prstGeom>
-        </p:spPr>
-      </p:pic>
-      <p:sp>
-        <p:nvSpPr>
-          <p:cNvPr id="31" name="正方形/長方形 30">
-            <a:extLst>
-              <a:ext uri="{FF2B5EF4-FFF2-40B4-BE49-F238E27FC236}">
-                <a16:creationId xmlns:a16="http://schemas.microsoft.com/office/drawing/2014/main" id="{A731936D-2716-4659-846E-805AE19C1BF4}"/>
+          <p:cNvPr id="27" name="正方形/長方形 26">
+            <a:extLst>
+              <a:ext uri="{FF2B5EF4-FFF2-40B4-BE49-F238E27FC236}">
+                <a16:creationId xmlns:a16="http://schemas.microsoft.com/office/drawing/2014/main" id="{E4657748-AE24-4810-8757-5DE283E51742}"/>
               </a:ext>
             </a:extLst>
           </p:cNvPr>
@@ -5078,8 +4868,8 @@
         </p:nvSpPr>
         <p:spPr>
           <a:xfrm>
-            <a:off x="5110104" y="6132839"/>
-            <a:ext cx="266328" cy="179198"/>
+            <a:off x="1494447" y="4727158"/>
+            <a:ext cx="627967" cy="212721"/>
           </a:xfrm>
           <a:prstGeom prst="rect">
             <a:avLst/>
@@ -5116,74 +4906,24 @@
           </a:p>
         </p:txBody>
       </p:sp>
-      <p:sp>
-        <p:nvSpPr>
-          <p:cNvPr id="32" name="テキスト ボックス 31">
-            <a:extLst>
-              <a:ext uri="{FF2B5EF4-FFF2-40B4-BE49-F238E27FC236}">
-                <a16:creationId xmlns:a16="http://schemas.microsoft.com/office/drawing/2014/main" id="{5B1457EF-46FE-4F3C-A744-052AC7E74DF8}"/>
-              </a:ext>
-            </a:extLst>
-          </p:cNvPr>
-          <p:cNvSpPr txBox="1"/>
-          <p:nvPr/>
-        </p:nvSpPr>
-        <p:spPr>
-          <a:xfrm>
-            <a:off x="8147107" y="4839670"/>
-            <a:ext cx="1324063" cy="369332"/>
-          </a:xfrm>
-          <a:prstGeom prst="rect">
-            <a:avLst/>
-          </a:prstGeom>
-          <a:noFill/>
-        </p:spPr>
-        <p:txBody>
-          <a:bodyPr wrap="square" rtlCol="0">
-            <a:spAutoFit/>
-          </a:bodyPr>
-          <a:lstStyle/>
-          <a:p>
-            <a:r>
-              <a:rPr lang="ja-JP" altLang="en-US" dirty="0">
-                <a:latin typeface="メイリオ" panose="020B0604030504040204" pitchFamily="50" charset="-128"/>
-                <a:ea typeface="メイリオ" panose="020B0604030504040204" pitchFamily="50" charset="-128"/>
-              </a:rPr>
-              <a:t>持越し</a:t>
-            </a:r>
-            <a:r>
-              <a:rPr lang="en-US" altLang="ja-JP" dirty="0">
-                <a:latin typeface="メイリオ" panose="020B0604030504040204" pitchFamily="50" charset="-128"/>
-                <a:ea typeface="メイリオ" panose="020B0604030504040204" pitchFamily="50" charset="-128"/>
-              </a:rPr>
-              <a:t>No</a:t>
-            </a:r>
-            <a:endParaRPr kumimoji="1" lang="ja-JP" altLang="en-US" dirty="0">
-              <a:latin typeface="メイリオ" panose="020B0604030504040204" pitchFamily="50" charset="-128"/>
-              <a:ea typeface="メイリオ" panose="020B0604030504040204" pitchFamily="50" charset="-128"/>
-            </a:endParaRPr>
-          </a:p>
-        </p:txBody>
-      </p:sp>
       <p:cxnSp>
         <p:nvCxnSpPr>
-          <p:cNvPr id="33" name="直線矢印コネクタ 32">
-            <a:extLst>
-              <a:ext uri="{FF2B5EF4-FFF2-40B4-BE49-F238E27FC236}">
-                <a16:creationId xmlns:a16="http://schemas.microsoft.com/office/drawing/2014/main" id="{860DD035-B776-4606-8928-B637AE378996}"/>
+          <p:cNvPr id="29" name="直線矢印コネクタ 28">
+            <a:extLst>
+              <a:ext uri="{FF2B5EF4-FFF2-40B4-BE49-F238E27FC236}">
+                <a16:creationId xmlns:a16="http://schemas.microsoft.com/office/drawing/2014/main" id="{813F0D18-E725-46AE-91A6-B1CEBBBF22BD}"/>
               </a:ext>
             </a:extLst>
           </p:cNvPr>
           <p:cNvCxnSpPr>
             <a:cxnSpLocks/>
-            <a:stCxn id="32" idx="1"/>
           </p:cNvCxnSpPr>
           <p:nvPr/>
         </p:nvCxnSpPr>
         <p:spPr>
           <a:xfrm flipH="1">
-            <a:off x="5376433" y="5024336"/>
-            <a:ext cx="2770674" cy="1205918"/>
+            <a:off x="2132579" y="4316391"/>
+            <a:ext cx="1715696" cy="517127"/>
           </a:xfrm>
           <a:prstGeom prst="straightConnector1">
             <a:avLst/>
@@ -5212,10 +4952,10 @@
       </p:cxnSp>
       <p:sp>
         <p:nvSpPr>
-          <p:cNvPr id="34" name="正方形/長方形 33">
-            <a:extLst>
-              <a:ext uri="{FF2B5EF4-FFF2-40B4-BE49-F238E27FC236}">
-                <a16:creationId xmlns:a16="http://schemas.microsoft.com/office/drawing/2014/main" id="{8D445308-D1FD-4B3D-AAD7-293D606C32F9}"/>
+          <p:cNvPr id="36" name="正方形/長方形 35">
+            <a:extLst>
+              <a:ext uri="{FF2B5EF4-FFF2-40B4-BE49-F238E27FC236}">
+                <a16:creationId xmlns:a16="http://schemas.microsoft.com/office/drawing/2014/main" id="{F5311C61-D4F0-490F-A29D-F8E9158ED78B}"/>
               </a:ext>
             </a:extLst>
           </p:cNvPr>
@@ -5224,7 +4964,7 @@
         </p:nvSpPr>
         <p:spPr>
           <a:xfrm>
-            <a:off x="9211112" y="5529167"/>
+            <a:off x="1460825" y="5938138"/>
             <a:ext cx="142611" cy="212721"/>
           </a:xfrm>
           <a:prstGeom prst="rect">
@@ -5264,10 +5004,10 @@
       </p:sp>
       <p:cxnSp>
         <p:nvCxnSpPr>
-          <p:cNvPr id="35" name="直線矢印コネクタ 34">
-            <a:extLst>
-              <a:ext uri="{FF2B5EF4-FFF2-40B4-BE49-F238E27FC236}">
-                <a16:creationId xmlns:a16="http://schemas.microsoft.com/office/drawing/2014/main" id="{DF8350BB-AB01-4939-B8F7-C2E2FEF615AB}"/>
+          <p:cNvPr id="37" name="直線矢印コネクタ 36">
+            <a:extLst>
+              <a:ext uri="{FF2B5EF4-FFF2-40B4-BE49-F238E27FC236}">
+                <a16:creationId xmlns:a16="http://schemas.microsoft.com/office/drawing/2014/main" id="{478BA8AA-4A60-4AAE-BD63-680A7CB8B70C}"/>
               </a:ext>
             </a:extLst>
           </p:cNvPr>
@@ -5277,9 +5017,9 @@
           <p:nvPr/>
         </p:nvCxnSpPr>
         <p:spPr>
-          <a:xfrm>
-            <a:off x="9278225" y="5023060"/>
-            <a:ext cx="0" cy="506107"/>
+          <a:xfrm flipH="1">
+            <a:off x="1655873" y="4316391"/>
+            <a:ext cx="2434169" cy="1728107"/>
           </a:xfrm>
           <a:prstGeom prst="straightConnector1">
             <a:avLst/>
@@ -5306,10 +5046,205 @@
           </a:fontRef>
         </p:style>
       </p:cxnSp>
+      <p:sp>
+        <p:nvSpPr>
+          <p:cNvPr id="38" name="テキスト ボックス 37">
+            <a:extLst>
+              <a:ext uri="{FF2B5EF4-FFF2-40B4-BE49-F238E27FC236}">
+                <a16:creationId xmlns:a16="http://schemas.microsoft.com/office/drawing/2014/main" id="{946615A9-3D18-4547-9AB1-8492037174CF}"/>
+              </a:ext>
+            </a:extLst>
+          </p:cNvPr>
+          <p:cNvSpPr txBox="1"/>
+          <p:nvPr/>
+        </p:nvSpPr>
+        <p:spPr>
+          <a:xfrm>
+            <a:off x="3607088" y="3761026"/>
+            <a:ext cx="1706267" cy="646331"/>
+          </a:xfrm>
+          <a:prstGeom prst="rect">
+            <a:avLst/>
+          </a:prstGeom>
+          <a:noFill/>
+        </p:spPr>
+        <p:txBody>
+          <a:bodyPr wrap="square" rtlCol="0">
+            <a:spAutoFit/>
+          </a:bodyPr>
+          <a:lstStyle/>
+          <a:p>
+            <a:r>
+              <a:rPr lang="ja-JP" altLang="en-US" dirty="0">
+                <a:latin typeface="メイリオ" panose="020B0604030504040204" pitchFamily="50" charset="-128"/>
+                <a:ea typeface="メイリオ" panose="020B0604030504040204" pitchFamily="50" charset="-128"/>
+              </a:rPr>
+              <a:t>ワンパンと</a:t>
+            </a:r>
+            <a:r>
+              <a:rPr lang="en-US" altLang="ja-JP" dirty="0">
+                <a:latin typeface="メイリオ" panose="020B0604030504040204" pitchFamily="50" charset="-128"/>
+                <a:ea typeface="メイリオ" panose="020B0604030504040204" pitchFamily="50" charset="-128"/>
+              </a:rPr>
+              <a:t>-1</a:t>
+            </a:r>
+            <a:r>
+              <a:rPr lang="ja-JP" altLang="en-US" dirty="0">
+                <a:latin typeface="メイリオ" panose="020B0604030504040204" pitchFamily="50" charset="-128"/>
+                <a:ea typeface="メイリオ" panose="020B0604030504040204" pitchFamily="50" charset="-128"/>
+              </a:rPr>
+              <a:t>は同じ意</a:t>
+            </a:r>
+            <a:endParaRPr kumimoji="1" lang="ja-JP" altLang="en-US" dirty="0">
+              <a:latin typeface="メイリオ" panose="020B0604030504040204" pitchFamily="50" charset="-128"/>
+              <a:ea typeface="メイリオ" panose="020B0604030504040204" pitchFamily="50" charset="-128"/>
+            </a:endParaRPr>
+          </a:p>
+        </p:txBody>
+      </p:sp>
+      <p:sp>
+        <p:nvSpPr>
+          <p:cNvPr id="40" name="正方形/長方形 39">
+            <a:extLst>
+              <a:ext uri="{FF2B5EF4-FFF2-40B4-BE49-F238E27FC236}">
+                <a16:creationId xmlns:a16="http://schemas.microsoft.com/office/drawing/2014/main" id="{AD68CEF8-286A-4CD4-9B57-364933BAC424}"/>
+              </a:ext>
+            </a:extLst>
+          </p:cNvPr>
+          <p:cNvSpPr/>
+          <p:nvPr/>
+        </p:nvSpPr>
+        <p:spPr>
+          <a:xfrm>
+            <a:off x="1737124" y="2218960"/>
+            <a:ext cx="142611" cy="212721"/>
+          </a:xfrm>
+          <a:prstGeom prst="rect">
+            <a:avLst/>
+          </a:prstGeom>
+          <a:noFill/>
+          <a:ln>
+            <a:solidFill>
+              <a:srgbClr val="FF0000"/>
+            </a:solidFill>
+          </a:ln>
+        </p:spPr>
+        <p:style>
+          <a:lnRef idx="2">
+            <a:schemeClr val="accent1">
+              <a:shade val="50000"/>
+            </a:schemeClr>
+          </a:lnRef>
+          <a:fillRef idx="1">
+            <a:schemeClr val="accent1"/>
+          </a:fillRef>
+          <a:effectRef idx="0">
+            <a:schemeClr val="accent1"/>
+          </a:effectRef>
+          <a:fontRef idx="minor">
+            <a:schemeClr val="lt1"/>
+          </a:fontRef>
+        </p:style>
+        <p:txBody>
+          <a:bodyPr rtlCol="0" anchor="ctr"/>
+          <a:lstStyle/>
+          <a:p>
+            <a:pPr algn="ctr"/>
+            <a:endParaRPr kumimoji="1" lang="ja-JP" altLang="en-US"/>
+          </a:p>
+        </p:txBody>
+      </p:sp>
+      <p:cxnSp>
+        <p:nvCxnSpPr>
+          <p:cNvPr id="41" name="直線矢印コネクタ 40">
+            <a:extLst>
+              <a:ext uri="{FF2B5EF4-FFF2-40B4-BE49-F238E27FC236}">
+                <a16:creationId xmlns:a16="http://schemas.microsoft.com/office/drawing/2014/main" id="{AB4008E2-514C-492B-9D1F-5379D18AA76A}"/>
+              </a:ext>
+            </a:extLst>
+          </p:cNvPr>
+          <p:cNvCxnSpPr>
+            <a:cxnSpLocks/>
+            <a:stCxn id="42" idx="1"/>
+          </p:cNvCxnSpPr>
+          <p:nvPr/>
+        </p:nvCxnSpPr>
+        <p:spPr>
+          <a:xfrm flipH="1">
+            <a:off x="1879736" y="2245706"/>
+            <a:ext cx="1749932" cy="96997"/>
+          </a:xfrm>
+          <a:prstGeom prst="straightConnector1">
+            <a:avLst/>
+          </a:prstGeom>
+          <a:ln>
+            <a:solidFill>
+              <a:srgbClr val="FF0000"/>
+            </a:solidFill>
+            <a:tailEnd type="triangle"/>
+          </a:ln>
+        </p:spPr>
+        <p:style>
+          <a:lnRef idx="1">
+            <a:schemeClr val="accent1"/>
+          </a:lnRef>
+          <a:fillRef idx="0">
+            <a:schemeClr val="accent1"/>
+          </a:fillRef>
+          <a:effectRef idx="0">
+            <a:schemeClr val="accent1"/>
+          </a:effectRef>
+          <a:fontRef idx="minor">
+            <a:schemeClr val="tx1"/>
+          </a:fontRef>
+        </p:style>
+      </p:cxnSp>
+      <p:sp>
+        <p:nvSpPr>
+          <p:cNvPr id="42" name="テキスト ボックス 41">
+            <a:extLst>
+              <a:ext uri="{FF2B5EF4-FFF2-40B4-BE49-F238E27FC236}">
+                <a16:creationId xmlns:a16="http://schemas.microsoft.com/office/drawing/2014/main" id="{A5D7840C-0789-47F6-9828-2E7B21D63E09}"/>
+              </a:ext>
+            </a:extLst>
+          </p:cNvPr>
+          <p:cNvSpPr txBox="1"/>
+          <p:nvPr/>
+        </p:nvSpPr>
+        <p:spPr>
+          <a:xfrm>
+            <a:off x="3629668" y="2061040"/>
+            <a:ext cx="1706267" cy="369332"/>
+          </a:xfrm>
+          <a:prstGeom prst="rect">
+            <a:avLst/>
+          </a:prstGeom>
+          <a:noFill/>
+        </p:spPr>
+        <p:txBody>
+          <a:bodyPr wrap="square" rtlCol="0">
+            <a:spAutoFit/>
+          </a:bodyPr>
+          <a:lstStyle/>
+          <a:p>
+            <a:r>
+              <a:rPr lang="ja-JP" altLang="en-US" dirty="0">
+                <a:latin typeface="メイリオ" panose="020B0604030504040204" pitchFamily="50" charset="-128"/>
+                <a:ea typeface="メイリオ" panose="020B0604030504040204" pitchFamily="50" charset="-128"/>
+              </a:rPr>
+              <a:t>省略可</a:t>
+            </a:r>
+            <a:endParaRPr kumimoji="1" lang="ja-JP" altLang="en-US" dirty="0">
+              <a:latin typeface="メイリオ" panose="020B0604030504040204" pitchFamily="50" charset="-128"/>
+              <a:ea typeface="メイリオ" panose="020B0604030504040204" pitchFamily="50" charset="-128"/>
+            </a:endParaRPr>
+          </a:p>
+        </p:txBody>
+      </p:sp>
     </p:spTree>
     <p:extLst>
       <p:ext uri="{BB962C8B-B14F-4D97-AF65-F5344CB8AC3E}">
-        <p14:creationId xmlns:p14="http://schemas.microsoft.com/office/powerpoint/2010/main" val="3623642140"/>
+        <p14:creationId xmlns:p14="http://schemas.microsoft.com/office/powerpoint/2010/main" val="2568897194"/>
       </p:ext>
     </p:extLst>
   </p:cSld>
@@ -5433,7 +5368,7 @@
         </p:nvSpPr>
         <p:spPr>
           <a:xfrm>
-            <a:off x="-2" y="3512890"/>
+            <a:off x="-1" y="3296487"/>
             <a:ext cx="4026718" cy="646331"/>
           </a:xfrm>
           <a:prstGeom prst="rect">
@@ -5735,7 +5670,21 @@
                 <a:latin typeface="メイリオ" panose="020B0604030504040204" pitchFamily="50" charset="-128"/>
                 <a:ea typeface="メイリオ" panose="020B0604030504040204" pitchFamily="50" charset="-128"/>
               </a:rPr>
-              <a:t>.end</a:t>
+              <a:t>.end [</a:t>
+            </a:r>
+            <a:r>
+              <a:rPr lang="ja-JP" altLang="en-US" dirty="0">
+                <a:latin typeface="メイリオ" panose="020B0604030504040204" pitchFamily="50" charset="-128"/>
+                <a:ea typeface="メイリオ" panose="020B0604030504040204" pitchFamily="50" charset="-128"/>
+              </a:rPr>
+              <a:t>与えたダメージ</a:t>
+            </a:r>
+            <a:r>
+              <a:rPr lang="en-US" altLang="ja-JP" dirty="0">
+                <a:latin typeface="メイリオ" panose="020B0604030504040204" pitchFamily="50" charset="-128"/>
+                <a:ea typeface="メイリオ" panose="020B0604030504040204" pitchFamily="50" charset="-128"/>
+              </a:rPr>
+              <a:t>]</a:t>
             </a:r>
             <a:endParaRPr kumimoji="1" lang="ja-JP" altLang="en-US" dirty="0">
               <a:latin typeface="メイリオ" panose="020B0604030504040204" pitchFamily="50" charset="-128"/>
@@ -5744,12 +5693,57 @@
           </a:p>
         </p:txBody>
       </p:sp>
+      <p:sp>
+        <p:nvSpPr>
+          <p:cNvPr id="38" name="テキスト ボックス 37">
+            <a:extLst>
+              <a:ext uri="{FF2B5EF4-FFF2-40B4-BE49-F238E27FC236}">
+                <a16:creationId xmlns:a16="http://schemas.microsoft.com/office/drawing/2014/main" id="{AF55828C-E4DF-4BCF-AB6A-551CF3846FCC}"/>
+              </a:ext>
+            </a:extLst>
+          </p:cNvPr>
+          <p:cNvSpPr txBox="1"/>
+          <p:nvPr/>
+        </p:nvSpPr>
+        <p:spPr>
+          <a:xfrm>
+            <a:off x="8787003" y="3352621"/>
+            <a:ext cx="2305628" cy="646331"/>
+          </a:xfrm>
+          <a:prstGeom prst="rect">
+            <a:avLst/>
+          </a:prstGeom>
+          <a:noFill/>
+        </p:spPr>
+        <p:txBody>
+          <a:bodyPr wrap="square" rtlCol="0">
+            <a:spAutoFit/>
+          </a:bodyPr>
+          <a:lstStyle/>
+          <a:p>
+            <a:r>
+              <a:rPr lang="ja-JP" altLang="en-US" dirty="0">
+                <a:latin typeface="メイリオ" panose="020B0604030504040204" pitchFamily="50" charset="-128"/>
+                <a:ea typeface="メイリオ" panose="020B0604030504040204" pitchFamily="50" charset="-128"/>
+              </a:rPr>
+              <a:t>マークが消えて</a:t>
+            </a:r>
+            <a:r>
+              <a:rPr kumimoji="1" lang="ja-JP" altLang="en-US" dirty="0">
+                <a:latin typeface="メイリオ" panose="020B0604030504040204" pitchFamily="50" charset="-128"/>
+                <a:ea typeface="メイリオ" panose="020B0604030504040204" pitchFamily="50" charset="-128"/>
+              </a:rPr>
+              <a:t>残凸数がへります</a:t>
+            </a:r>
+          </a:p>
+        </p:txBody>
+      </p:sp>
       <p:pic>
         <p:nvPicPr>
-          <p:cNvPr id="16" name="図 15">
-            <a:extLst>
-              <a:ext uri="{FF2B5EF4-FFF2-40B4-BE49-F238E27FC236}">
-                <a16:creationId xmlns:a16="http://schemas.microsoft.com/office/drawing/2014/main" id="{089054A9-91E1-4372-AB7E-77CCC52C2201}"/>
+          <p:cNvPr id="41" name="図 40">
+            <a:extLst>
+              <a:ext uri="{FF2B5EF4-FFF2-40B4-BE49-F238E27FC236}">
+                <a16:creationId xmlns:a16="http://schemas.microsoft.com/office/drawing/2014/main" id="{DF4F18A0-05A6-4508-BEA8-6EF894CA4A98}"/>
               </a:ext>
             </a:extLst>
           </p:cNvPr>
@@ -5766,20 +5760,75 @@
         </p:blipFill>
         <p:spPr>
           <a:xfrm>
-            <a:off x="6384233" y="604465"/>
-            <a:ext cx="2415818" cy="1063300"/>
+            <a:off x="98784" y="3867751"/>
+            <a:ext cx="2457793" cy="1171739"/>
           </a:xfrm>
           <a:prstGeom prst="rect">
             <a:avLst/>
           </a:prstGeom>
         </p:spPr>
       </p:pic>
+      <p:sp>
+        <p:nvSpPr>
+          <p:cNvPr id="42" name="テキスト ボックス 41">
+            <a:extLst>
+              <a:ext uri="{FF2B5EF4-FFF2-40B4-BE49-F238E27FC236}">
+                <a16:creationId xmlns:a16="http://schemas.microsoft.com/office/drawing/2014/main" id="{BC2DC79B-A880-4FDF-AAC0-7AF0DE7CA6C8}"/>
+              </a:ext>
+            </a:extLst>
+          </p:cNvPr>
+          <p:cNvSpPr txBox="1"/>
+          <p:nvPr/>
+        </p:nvSpPr>
+        <p:spPr>
+          <a:xfrm>
+            <a:off x="98784" y="5306484"/>
+            <a:ext cx="2406479" cy="646331"/>
+          </a:xfrm>
+          <a:prstGeom prst="rect">
+            <a:avLst/>
+          </a:prstGeom>
+          <a:noFill/>
+        </p:spPr>
+        <p:txBody>
+          <a:bodyPr wrap="square" rtlCol="0">
+            <a:spAutoFit/>
+          </a:bodyPr>
+          <a:lstStyle/>
+          <a:p>
+            <a:r>
+              <a:rPr kumimoji="1" lang="ja-JP" altLang="en-US" b="1" dirty="0">
+                <a:latin typeface="メイリオ" panose="020B0604030504040204" pitchFamily="50" charset="-128"/>
+                <a:ea typeface="メイリオ" panose="020B0604030504040204" pitchFamily="50" charset="-128"/>
+              </a:rPr>
+              <a:t>次週に進んだ！</a:t>
+            </a:r>
+            <a:endParaRPr kumimoji="1" lang="en-US" altLang="ja-JP" b="1" dirty="0">
+              <a:latin typeface="メイリオ" panose="020B0604030504040204" pitchFamily="50" charset="-128"/>
+              <a:ea typeface="メイリオ" panose="020B0604030504040204" pitchFamily="50" charset="-128"/>
+            </a:endParaRPr>
+          </a:p>
+          <a:p>
+            <a:r>
+              <a:rPr lang="en-US" altLang="ja-JP" dirty="0">
+                <a:latin typeface="メイリオ" panose="020B0604030504040204" pitchFamily="50" charset="-128"/>
+                <a:ea typeface="メイリオ" panose="020B0604030504040204" pitchFamily="50" charset="-128"/>
+              </a:rPr>
+              <a:t>.lc</a:t>
+            </a:r>
+            <a:endParaRPr kumimoji="1" lang="ja-JP" altLang="en-US" dirty="0">
+              <a:latin typeface="メイリオ" panose="020B0604030504040204" pitchFamily="50" charset="-128"/>
+              <a:ea typeface="メイリオ" panose="020B0604030504040204" pitchFamily="50" charset="-128"/>
+            </a:endParaRPr>
+          </a:p>
+        </p:txBody>
+      </p:sp>
       <p:pic>
         <p:nvPicPr>
-          <p:cNvPr id="21" name="図 20">
-            <a:extLst>
-              <a:ext uri="{FF2B5EF4-FFF2-40B4-BE49-F238E27FC236}">
-                <a16:creationId xmlns:a16="http://schemas.microsoft.com/office/drawing/2014/main" id="{28B7DCFD-CB07-4E18-B7FA-66FD8507780D}"/>
+          <p:cNvPr id="44" name="図 43">
+            <a:extLst>
+              <a:ext uri="{FF2B5EF4-FFF2-40B4-BE49-F238E27FC236}">
+                <a16:creationId xmlns:a16="http://schemas.microsoft.com/office/drawing/2014/main" id="{779A5C7C-368B-4762-8EAF-26B54B25082B}"/>
               </a:ext>
             </a:extLst>
           </p:cNvPr>
@@ -5796,8 +5845,8 @@
         </p:blipFill>
         <p:spPr>
           <a:xfrm>
-            <a:off x="8881098" y="596076"/>
-            <a:ext cx="3105583" cy="2514951"/>
+            <a:off x="500919" y="5629144"/>
+            <a:ext cx="2286319" cy="1124107"/>
           </a:xfrm>
           <a:prstGeom prst="rect">
             <a:avLst/>
@@ -5806,10 +5855,10 @@
       </p:pic>
       <p:sp>
         <p:nvSpPr>
-          <p:cNvPr id="38" name="テキスト ボックス 37">
-            <a:extLst>
-              <a:ext uri="{FF2B5EF4-FFF2-40B4-BE49-F238E27FC236}">
-                <a16:creationId xmlns:a16="http://schemas.microsoft.com/office/drawing/2014/main" id="{AF55828C-E4DF-4BCF-AB6A-551CF3846FCC}"/>
+          <p:cNvPr id="45" name="テキスト ボックス 44">
+            <a:extLst>
+              <a:ext uri="{FF2B5EF4-FFF2-40B4-BE49-F238E27FC236}">
+                <a16:creationId xmlns:a16="http://schemas.microsoft.com/office/drawing/2014/main" id="{A15E5EF1-9160-48B9-863C-2EA8EE441D0D}"/>
               </a:ext>
             </a:extLst>
           </p:cNvPr>
@@ -5818,8 +5867,8 @@
         </p:nvSpPr>
         <p:spPr>
           <a:xfrm>
-            <a:off x="6342985" y="1917628"/>
-            <a:ext cx="2305628" cy="646331"/>
+            <a:off x="2969116" y="4524360"/>
+            <a:ext cx="2406479" cy="646331"/>
           </a:xfrm>
           <a:prstGeom prst="rect">
             <a:avLst/>
@@ -5833,34 +5882,143 @@
           <a:lstStyle/>
           <a:p>
             <a:r>
-              <a:rPr lang="ja-JP" altLang="en-US" dirty="0">
-                <a:latin typeface="メイリオ" panose="020B0604030504040204" pitchFamily="50" charset="-128"/>
-                <a:ea typeface="メイリオ" panose="020B0604030504040204" pitchFamily="50" charset="-128"/>
-              </a:rPr>
-              <a:t>マークが消えて</a:t>
-            </a:r>
-            <a:endParaRPr lang="en-US" altLang="ja-JP" dirty="0">
+              <a:rPr kumimoji="1" lang="ja-JP" altLang="en-US" b="1" dirty="0">
+                <a:latin typeface="メイリオ" panose="020B0604030504040204" pitchFamily="50" charset="-128"/>
+                <a:ea typeface="メイリオ" panose="020B0604030504040204" pitchFamily="50" charset="-128"/>
+              </a:rPr>
+              <a:t>周数の設定</a:t>
+            </a:r>
+            <a:endParaRPr kumimoji="1" lang="en-US" altLang="ja-JP" b="1" dirty="0">
               <a:latin typeface="メイリオ" panose="020B0604030504040204" pitchFamily="50" charset="-128"/>
               <a:ea typeface="メイリオ" panose="020B0604030504040204" pitchFamily="50" charset="-128"/>
             </a:endParaRPr>
           </a:p>
           <a:p>
             <a:r>
+              <a:rPr kumimoji="1" lang="en-US" altLang="ja-JP" dirty="0">
+                <a:latin typeface="メイリオ" panose="020B0604030504040204" pitchFamily="50" charset="-128"/>
+                <a:ea typeface="メイリオ" panose="020B0604030504040204" pitchFamily="50" charset="-128"/>
+              </a:rPr>
+              <a:t>.lc set 5</a:t>
+            </a:r>
+            <a:endParaRPr kumimoji="1" lang="ja-JP" altLang="en-US" dirty="0">
+              <a:latin typeface="メイリオ" panose="020B0604030504040204" pitchFamily="50" charset="-128"/>
+              <a:ea typeface="メイリオ" panose="020B0604030504040204" pitchFamily="50" charset="-128"/>
+            </a:endParaRPr>
+          </a:p>
+        </p:txBody>
+      </p:sp>
+      <p:pic>
+        <p:nvPicPr>
+          <p:cNvPr id="47" name="図 46">
+            <a:extLst>
+              <a:ext uri="{FF2B5EF4-FFF2-40B4-BE49-F238E27FC236}">
+                <a16:creationId xmlns:a16="http://schemas.microsoft.com/office/drawing/2014/main" id="{1BD58F67-51E8-4636-9819-21F1543C6429}"/>
+              </a:ext>
+            </a:extLst>
+          </p:cNvPr>
+          <p:cNvPicPr>
+            <a:picLocks noChangeAspect="1"/>
+          </p:cNvPicPr>
+          <p:nvPr/>
+        </p:nvPicPr>
+        <p:blipFill>
+          <a:blip r:embed="rId6"/>
+          <a:stretch>
+            <a:fillRect/>
+          </a:stretch>
+        </p:blipFill>
+        <p:spPr>
+          <a:xfrm>
+            <a:off x="2987960" y="5116789"/>
+            <a:ext cx="2970429" cy="1090066"/>
+          </a:xfrm>
+          <a:prstGeom prst="rect">
+            <a:avLst/>
+          </a:prstGeom>
+        </p:spPr>
+      </p:pic>
+      <p:sp>
+        <p:nvSpPr>
+          <p:cNvPr id="48" name="テキスト ボックス 47">
+            <a:extLst>
+              <a:ext uri="{FF2B5EF4-FFF2-40B4-BE49-F238E27FC236}">
+                <a16:creationId xmlns:a16="http://schemas.microsoft.com/office/drawing/2014/main" id="{AEBD599E-D148-4D40-9447-8B5D89723335}"/>
+              </a:ext>
+            </a:extLst>
+          </p:cNvPr>
+          <p:cNvSpPr txBox="1"/>
+          <p:nvPr/>
+        </p:nvSpPr>
+        <p:spPr>
+          <a:xfrm>
+            <a:off x="2987960" y="6257161"/>
+            <a:ext cx="3707981" cy="369332"/>
+          </a:xfrm>
+          <a:prstGeom prst="rect">
+            <a:avLst/>
+          </a:prstGeom>
+          <a:noFill/>
+        </p:spPr>
+        <p:txBody>
+          <a:bodyPr wrap="square" rtlCol="0">
+            <a:spAutoFit/>
+          </a:bodyPr>
+          <a:lstStyle/>
+          <a:p>
+            <a:r>
+              <a:rPr kumimoji="1" lang="en-US" altLang="ja-JP" dirty="0">
+                <a:latin typeface="メイリオ" panose="020B0604030504040204" pitchFamily="50" charset="-128"/>
+                <a:ea typeface="メイリオ" panose="020B0604030504040204" pitchFamily="50" charset="-128"/>
+              </a:rPr>
+              <a:t>※.lc</a:t>
+            </a:r>
+            <a:r>
               <a:rPr kumimoji="1" lang="ja-JP" altLang="en-US" dirty="0">
                 <a:latin typeface="メイリオ" panose="020B0604030504040204" pitchFamily="50" charset="-128"/>
                 <a:ea typeface="メイリオ" panose="020B0604030504040204" pitchFamily="50" charset="-128"/>
               </a:rPr>
-              <a:t>残凸数がへります</a:t>
-            </a:r>
-          </a:p>
-        </p:txBody>
-      </p:sp>
-      <p:sp>
-        <p:nvSpPr>
-          <p:cNvPr id="39" name="正方形/長方形 38">
-            <a:extLst>
-              <a:ext uri="{FF2B5EF4-FFF2-40B4-BE49-F238E27FC236}">
-                <a16:creationId xmlns:a16="http://schemas.microsoft.com/office/drawing/2014/main" id="{30550B89-5216-493F-ACB0-BF5C428C6E24}"/>
+              <a:t>コマンドを送りすぎた時とか</a:t>
+            </a:r>
+          </a:p>
+        </p:txBody>
+      </p:sp>
+      <p:pic>
+        <p:nvPicPr>
+          <p:cNvPr id="6" name="図 5">
+            <a:extLst>
+              <a:ext uri="{FF2B5EF4-FFF2-40B4-BE49-F238E27FC236}">
+                <a16:creationId xmlns:a16="http://schemas.microsoft.com/office/drawing/2014/main" id="{DB80B578-F15E-43F4-B95A-7764772BA9AB}"/>
+              </a:ext>
+            </a:extLst>
+          </p:cNvPr>
+          <p:cNvPicPr>
+            <a:picLocks noChangeAspect="1"/>
+          </p:cNvPicPr>
+          <p:nvPr/>
+        </p:nvPicPr>
+        <p:blipFill>
+          <a:blip r:embed="rId7"/>
+          <a:stretch>
+            <a:fillRect/>
+          </a:stretch>
+        </p:blipFill>
+        <p:spPr>
+          <a:xfrm>
+            <a:off x="6385587" y="600839"/>
+            <a:ext cx="2443361" cy="2008138"/>
+          </a:xfrm>
+          <a:prstGeom prst="rect">
+            <a:avLst/>
+          </a:prstGeom>
+        </p:spPr>
+      </p:pic>
+      <p:sp>
+        <p:nvSpPr>
+          <p:cNvPr id="24" name="正方形/長方形 23">
+            <a:extLst>
+              <a:ext uri="{FF2B5EF4-FFF2-40B4-BE49-F238E27FC236}">
+                <a16:creationId xmlns:a16="http://schemas.microsoft.com/office/drawing/2014/main" id="{90C15188-D209-4369-A4A7-B76117DC2DF3}"/>
               </a:ext>
             </a:extLst>
           </p:cNvPr>
@@ -5869,8 +6027,8 @@
         </p:nvSpPr>
         <p:spPr>
           <a:xfrm>
-            <a:off x="9594208" y="1476897"/>
-            <a:ext cx="799752" cy="250993"/>
+            <a:off x="7375763" y="812391"/>
+            <a:ext cx="191107" cy="250993"/>
           </a:xfrm>
           <a:prstGeom prst="rect">
             <a:avLst/>
@@ -5909,10 +6067,10 @@
       </p:sp>
       <p:cxnSp>
         <p:nvCxnSpPr>
-          <p:cNvPr id="40" name="直線矢印コネクタ 39">
-            <a:extLst>
-              <a:ext uri="{FF2B5EF4-FFF2-40B4-BE49-F238E27FC236}">
-                <a16:creationId xmlns:a16="http://schemas.microsoft.com/office/drawing/2014/main" id="{5C7B6162-A13E-4CD7-8B1B-94DB4A204284}"/>
+          <p:cNvPr id="25" name="直線矢印コネクタ 24">
+            <a:extLst>
+              <a:ext uri="{FF2B5EF4-FFF2-40B4-BE49-F238E27FC236}">
+                <a16:creationId xmlns:a16="http://schemas.microsoft.com/office/drawing/2014/main" id="{940D6B50-2F06-4E62-9C08-9A8F0F47BDB4}"/>
               </a:ext>
             </a:extLst>
           </p:cNvPr>
@@ -5923,8 +6081,1482 @@
         </p:nvCxnSpPr>
         <p:spPr>
           <a:xfrm flipV="1">
-            <a:off x="8229425" y="1578230"/>
-            <a:ext cx="1364783" cy="532148"/>
+            <a:off x="6185272" y="913725"/>
+            <a:ext cx="1190491" cy="1926218"/>
+          </a:xfrm>
+          <a:prstGeom prst="straightConnector1">
+            <a:avLst/>
+          </a:prstGeom>
+          <a:ln>
+            <a:solidFill>
+              <a:srgbClr val="FF0000"/>
+            </a:solidFill>
+            <a:tailEnd type="triangle"/>
+          </a:ln>
+        </p:spPr>
+        <p:style>
+          <a:lnRef idx="1">
+            <a:schemeClr val="accent1"/>
+          </a:lnRef>
+          <a:fillRef idx="0">
+            <a:schemeClr val="accent1"/>
+          </a:fillRef>
+          <a:effectRef idx="0">
+            <a:schemeClr val="accent1"/>
+          </a:effectRef>
+          <a:fontRef idx="minor">
+            <a:schemeClr val="tx1"/>
+          </a:fontRef>
+        </p:style>
+      </p:cxnSp>
+      <p:sp>
+        <p:nvSpPr>
+          <p:cNvPr id="28" name="テキスト ボックス 27">
+            <a:extLst>
+              <a:ext uri="{FF2B5EF4-FFF2-40B4-BE49-F238E27FC236}">
+                <a16:creationId xmlns:a16="http://schemas.microsoft.com/office/drawing/2014/main" id="{9825BE7D-9AA9-48A2-B47B-C2031BE23EBA}"/>
+              </a:ext>
+            </a:extLst>
+          </p:cNvPr>
+          <p:cNvSpPr txBox="1"/>
+          <p:nvPr/>
+        </p:nvSpPr>
+        <p:spPr>
+          <a:xfrm>
+            <a:off x="5932935" y="2839943"/>
+            <a:ext cx="2669153" cy="369332"/>
+          </a:xfrm>
+          <a:prstGeom prst="rect">
+            <a:avLst/>
+          </a:prstGeom>
+          <a:noFill/>
+        </p:spPr>
+        <p:txBody>
+          <a:bodyPr wrap="square" rtlCol="0">
+            <a:spAutoFit/>
+          </a:bodyPr>
+          <a:lstStyle/>
+          <a:p>
+            <a:r>
+              <a:rPr lang="ja-JP" altLang="en-US" dirty="0">
+                <a:latin typeface="メイリオ" panose="020B0604030504040204" pitchFamily="50" charset="-128"/>
+                <a:ea typeface="メイリオ" panose="020B0604030504040204" pitchFamily="50" charset="-128"/>
+              </a:rPr>
+              <a:t>万ありなしどちらでも</a:t>
+            </a:r>
+            <a:endParaRPr kumimoji="1" lang="ja-JP" altLang="en-US" dirty="0">
+              <a:latin typeface="メイリオ" panose="020B0604030504040204" pitchFamily="50" charset="-128"/>
+              <a:ea typeface="メイリオ" panose="020B0604030504040204" pitchFamily="50" charset="-128"/>
+            </a:endParaRPr>
+          </a:p>
+        </p:txBody>
+      </p:sp>
+      <p:cxnSp>
+        <p:nvCxnSpPr>
+          <p:cNvPr id="30" name="直線矢印コネクタ 29">
+            <a:extLst>
+              <a:ext uri="{FF2B5EF4-FFF2-40B4-BE49-F238E27FC236}">
+                <a16:creationId xmlns:a16="http://schemas.microsoft.com/office/drawing/2014/main" id="{55E5099A-8A73-4304-8ACD-3D523A865C19}"/>
+              </a:ext>
+            </a:extLst>
+          </p:cNvPr>
+          <p:cNvCxnSpPr>
+            <a:cxnSpLocks/>
+          </p:cNvCxnSpPr>
+          <p:nvPr/>
+        </p:nvCxnSpPr>
+        <p:spPr>
+          <a:xfrm flipV="1">
+            <a:off x="6293704" y="1971568"/>
+            <a:ext cx="913213" cy="1505784"/>
+          </a:xfrm>
+          <a:prstGeom prst="straightConnector1">
+            <a:avLst/>
+          </a:prstGeom>
+          <a:ln>
+            <a:solidFill>
+              <a:srgbClr val="FF0000"/>
+            </a:solidFill>
+            <a:tailEnd type="triangle"/>
+          </a:ln>
+        </p:spPr>
+        <p:style>
+          <a:lnRef idx="1">
+            <a:schemeClr val="accent1"/>
+          </a:lnRef>
+          <a:fillRef idx="0">
+            <a:schemeClr val="accent1"/>
+          </a:fillRef>
+          <a:effectRef idx="0">
+            <a:schemeClr val="accent1"/>
+          </a:effectRef>
+          <a:fontRef idx="minor">
+            <a:schemeClr val="tx1"/>
+          </a:fontRef>
+        </p:style>
+      </p:cxnSp>
+      <p:sp>
+        <p:nvSpPr>
+          <p:cNvPr id="31" name="テキスト ボックス 30">
+            <a:extLst>
+              <a:ext uri="{FF2B5EF4-FFF2-40B4-BE49-F238E27FC236}">
+                <a16:creationId xmlns:a16="http://schemas.microsoft.com/office/drawing/2014/main" id="{7379AFB0-EF2B-4E89-BF8E-B4B97B3F976E}"/>
+              </a:ext>
+            </a:extLst>
+          </p:cNvPr>
+          <p:cNvSpPr txBox="1"/>
+          <p:nvPr/>
+        </p:nvSpPr>
+        <p:spPr>
+          <a:xfrm>
+            <a:off x="5932934" y="3434987"/>
+            <a:ext cx="2669153" cy="369332"/>
+          </a:xfrm>
+          <a:prstGeom prst="rect">
+            <a:avLst/>
+          </a:prstGeom>
+          <a:noFill/>
+        </p:spPr>
+        <p:txBody>
+          <a:bodyPr wrap="square" rtlCol="0">
+            <a:spAutoFit/>
+          </a:bodyPr>
+          <a:lstStyle/>
+          <a:p>
+            <a:r>
+              <a:rPr kumimoji="1" lang="ja-JP" altLang="en-US" dirty="0">
+                <a:latin typeface="メイリオ" panose="020B0604030504040204" pitchFamily="50" charset="-128"/>
+                <a:ea typeface="メイリオ" panose="020B0604030504040204" pitchFamily="50" charset="-128"/>
+              </a:rPr>
+              <a:t>倒した場合は〆</a:t>
+            </a:r>
+            <a:r>
+              <a:rPr kumimoji="1" lang="en-US" altLang="ja-JP" dirty="0">
+                <a:latin typeface="メイリオ" panose="020B0604030504040204" pitchFamily="50" charset="-128"/>
+                <a:ea typeface="メイリオ" panose="020B0604030504040204" pitchFamily="50" charset="-128"/>
+              </a:rPr>
+              <a:t>or-1</a:t>
+            </a:r>
+            <a:endParaRPr kumimoji="1" lang="ja-JP" altLang="en-US" dirty="0">
+              <a:latin typeface="メイリオ" panose="020B0604030504040204" pitchFamily="50" charset="-128"/>
+              <a:ea typeface="メイリオ" panose="020B0604030504040204" pitchFamily="50" charset="-128"/>
+            </a:endParaRPr>
+          </a:p>
+        </p:txBody>
+      </p:sp>
+      <p:pic>
+        <p:nvPicPr>
+          <p:cNvPr id="11" name="図 10">
+            <a:extLst>
+              <a:ext uri="{FF2B5EF4-FFF2-40B4-BE49-F238E27FC236}">
+                <a16:creationId xmlns:a16="http://schemas.microsoft.com/office/drawing/2014/main" id="{0F832830-0DAF-4519-B8B8-9B8EC81DF7D1}"/>
+              </a:ext>
+            </a:extLst>
+          </p:cNvPr>
+          <p:cNvPicPr>
+            <a:picLocks noChangeAspect="1"/>
+          </p:cNvPicPr>
+          <p:nvPr/>
+        </p:nvPicPr>
+        <p:blipFill>
+          <a:blip r:embed="rId8"/>
+          <a:stretch>
+            <a:fillRect/>
+          </a:stretch>
+        </p:blipFill>
+        <p:spPr>
+          <a:xfrm>
+            <a:off x="8994709" y="599630"/>
+            <a:ext cx="2003257" cy="2706741"/>
+          </a:xfrm>
+          <a:prstGeom prst="rect">
+            <a:avLst/>
+          </a:prstGeom>
+        </p:spPr>
+      </p:pic>
+      <p:sp>
+        <p:nvSpPr>
+          <p:cNvPr id="33" name="テキスト ボックス 32">
+            <a:extLst>
+              <a:ext uri="{FF2B5EF4-FFF2-40B4-BE49-F238E27FC236}">
+                <a16:creationId xmlns:a16="http://schemas.microsoft.com/office/drawing/2014/main" id="{E5490091-DD7B-49C3-B6B5-2F5240737C79}"/>
+              </a:ext>
+            </a:extLst>
+          </p:cNvPr>
+          <p:cNvSpPr txBox="1"/>
+          <p:nvPr/>
+        </p:nvSpPr>
+        <p:spPr>
+          <a:xfrm>
+            <a:off x="6797561" y="3966735"/>
+            <a:ext cx="3067892" cy="646331"/>
+          </a:xfrm>
+          <a:prstGeom prst="rect">
+            <a:avLst/>
+          </a:prstGeom>
+          <a:noFill/>
+        </p:spPr>
+        <p:txBody>
+          <a:bodyPr wrap="square" rtlCol="0">
+            <a:spAutoFit/>
+          </a:bodyPr>
+          <a:lstStyle/>
+          <a:p>
+            <a:r>
+              <a:rPr kumimoji="1" lang="ja-JP" altLang="en-US" b="1" dirty="0">
+                <a:latin typeface="メイリオ" panose="020B0604030504040204" pitchFamily="50" charset="-128"/>
+                <a:ea typeface="メイリオ" panose="020B0604030504040204" pitchFamily="50" charset="-128"/>
+              </a:rPr>
+              <a:t>ボス</a:t>
+            </a:r>
+            <a:r>
+              <a:rPr kumimoji="1" lang="en-US" altLang="ja-JP" b="1" dirty="0">
+                <a:latin typeface="メイリオ" panose="020B0604030504040204" pitchFamily="50" charset="-128"/>
+                <a:ea typeface="メイリオ" panose="020B0604030504040204" pitchFamily="50" charset="-128"/>
+              </a:rPr>
+              <a:t>HP</a:t>
+            </a:r>
+            <a:r>
+              <a:rPr kumimoji="1" lang="ja-JP" altLang="en-US" b="1" dirty="0">
+                <a:latin typeface="メイリオ" panose="020B0604030504040204" pitchFamily="50" charset="-128"/>
+                <a:ea typeface="メイリオ" panose="020B0604030504040204" pitchFamily="50" charset="-128"/>
+              </a:rPr>
+              <a:t>の修正</a:t>
+            </a:r>
+            <a:endParaRPr kumimoji="1" lang="en-US" altLang="ja-JP" b="1" dirty="0">
+              <a:latin typeface="メイリオ" panose="020B0604030504040204" pitchFamily="50" charset="-128"/>
+              <a:ea typeface="メイリオ" panose="020B0604030504040204" pitchFamily="50" charset="-128"/>
+            </a:endParaRPr>
+          </a:p>
+          <a:p>
+            <a:r>
+              <a:rPr kumimoji="1" lang="en-US" altLang="ja-JP" dirty="0">
+                <a:latin typeface="メイリオ" panose="020B0604030504040204" pitchFamily="50" charset="-128"/>
+                <a:ea typeface="メイリオ" panose="020B0604030504040204" pitchFamily="50" charset="-128"/>
+              </a:rPr>
+              <a:t>.hp set [</a:t>
+            </a:r>
+            <a:r>
+              <a:rPr kumimoji="1" lang="ja-JP" altLang="en-US" dirty="0">
+                <a:latin typeface="メイリオ" panose="020B0604030504040204" pitchFamily="50" charset="-128"/>
+                <a:ea typeface="メイリオ" panose="020B0604030504040204" pitchFamily="50" charset="-128"/>
+              </a:rPr>
+              <a:t>ボス</a:t>
+            </a:r>
+            <a:r>
+              <a:rPr kumimoji="1" lang="en-US" altLang="ja-JP" dirty="0">
+                <a:latin typeface="メイリオ" panose="020B0604030504040204" pitchFamily="50" charset="-128"/>
+                <a:ea typeface="メイリオ" panose="020B0604030504040204" pitchFamily="50" charset="-128"/>
+              </a:rPr>
+              <a:t>No.] [HP]</a:t>
+            </a:r>
+            <a:endParaRPr kumimoji="1" lang="ja-JP" altLang="en-US" dirty="0">
+              <a:latin typeface="メイリオ" panose="020B0604030504040204" pitchFamily="50" charset="-128"/>
+              <a:ea typeface="メイリオ" panose="020B0604030504040204" pitchFamily="50" charset="-128"/>
+            </a:endParaRPr>
+          </a:p>
+        </p:txBody>
+      </p:sp>
+      <p:pic>
+        <p:nvPicPr>
+          <p:cNvPr id="13" name="図 12">
+            <a:extLst>
+              <a:ext uri="{FF2B5EF4-FFF2-40B4-BE49-F238E27FC236}">
+                <a16:creationId xmlns:a16="http://schemas.microsoft.com/office/drawing/2014/main" id="{83338D5B-AD71-4081-9729-94262D6ED681}"/>
+              </a:ext>
+            </a:extLst>
+          </p:cNvPr>
+          <p:cNvPicPr>
+            <a:picLocks noChangeAspect="1"/>
+          </p:cNvPicPr>
+          <p:nvPr/>
+        </p:nvPicPr>
+        <p:blipFill>
+          <a:blip r:embed="rId9"/>
+          <a:stretch>
+            <a:fillRect/>
+          </a:stretch>
+        </p:blipFill>
+        <p:spPr>
+          <a:xfrm>
+            <a:off x="6738042" y="4578916"/>
+            <a:ext cx="2892519" cy="2137949"/>
+          </a:xfrm>
+          <a:prstGeom prst="rect">
+            <a:avLst/>
+          </a:prstGeom>
+        </p:spPr>
+      </p:pic>
+      <p:sp>
+        <p:nvSpPr>
+          <p:cNvPr id="43" name="正方形/長方形 42">
+            <a:extLst>
+              <a:ext uri="{FF2B5EF4-FFF2-40B4-BE49-F238E27FC236}">
+                <a16:creationId xmlns:a16="http://schemas.microsoft.com/office/drawing/2014/main" id="{8F890B9D-3919-4492-B1B3-25025EC3DD5A}"/>
+              </a:ext>
+            </a:extLst>
+          </p:cNvPr>
+          <p:cNvSpPr/>
+          <p:nvPr/>
+        </p:nvSpPr>
+        <p:spPr>
+          <a:xfrm>
+            <a:off x="7811717" y="5893708"/>
+            <a:ext cx="149435" cy="179921"/>
+          </a:xfrm>
+          <a:prstGeom prst="rect">
+            <a:avLst/>
+          </a:prstGeom>
+          <a:noFill/>
+          <a:ln>
+            <a:solidFill>
+              <a:srgbClr val="FF0000"/>
+            </a:solidFill>
+          </a:ln>
+        </p:spPr>
+        <p:style>
+          <a:lnRef idx="2">
+            <a:schemeClr val="accent1">
+              <a:shade val="50000"/>
+            </a:schemeClr>
+          </a:lnRef>
+          <a:fillRef idx="1">
+            <a:schemeClr val="accent1"/>
+          </a:fillRef>
+          <a:effectRef idx="0">
+            <a:schemeClr val="accent1"/>
+          </a:effectRef>
+          <a:fontRef idx="minor">
+            <a:schemeClr val="lt1"/>
+          </a:fontRef>
+        </p:style>
+        <p:txBody>
+          <a:bodyPr rtlCol="0" anchor="ctr"/>
+          <a:lstStyle/>
+          <a:p>
+            <a:pPr algn="ctr"/>
+            <a:endParaRPr kumimoji="1" lang="ja-JP" altLang="en-US"/>
+          </a:p>
+        </p:txBody>
+      </p:sp>
+      <p:cxnSp>
+        <p:nvCxnSpPr>
+          <p:cNvPr id="46" name="直線矢印コネクタ 45">
+            <a:extLst>
+              <a:ext uri="{FF2B5EF4-FFF2-40B4-BE49-F238E27FC236}">
+                <a16:creationId xmlns:a16="http://schemas.microsoft.com/office/drawing/2014/main" id="{8BCCE92E-DA63-4FAE-B126-BC45AC643DCF}"/>
+              </a:ext>
+            </a:extLst>
+          </p:cNvPr>
+          <p:cNvCxnSpPr>
+            <a:cxnSpLocks/>
+          </p:cNvCxnSpPr>
+          <p:nvPr/>
+        </p:nvCxnSpPr>
+        <p:spPr>
+          <a:xfrm flipH="1">
+            <a:off x="7968787" y="4909882"/>
+            <a:ext cx="1837943" cy="1073787"/>
+          </a:xfrm>
+          <a:prstGeom prst="straightConnector1">
+            <a:avLst/>
+          </a:prstGeom>
+          <a:ln>
+            <a:solidFill>
+              <a:srgbClr val="FF0000"/>
+            </a:solidFill>
+            <a:tailEnd type="triangle"/>
+          </a:ln>
+        </p:spPr>
+        <p:style>
+          <a:lnRef idx="1">
+            <a:schemeClr val="accent1"/>
+          </a:lnRef>
+          <a:fillRef idx="0">
+            <a:schemeClr val="accent1"/>
+          </a:fillRef>
+          <a:effectRef idx="0">
+            <a:schemeClr val="accent1"/>
+          </a:effectRef>
+          <a:fontRef idx="minor">
+            <a:schemeClr val="tx1"/>
+          </a:fontRef>
+        </p:style>
+      </p:cxnSp>
+      <p:sp>
+        <p:nvSpPr>
+          <p:cNvPr id="49" name="テキスト ボックス 48">
+            <a:extLst>
+              <a:ext uri="{FF2B5EF4-FFF2-40B4-BE49-F238E27FC236}">
+                <a16:creationId xmlns:a16="http://schemas.microsoft.com/office/drawing/2014/main" id="{A5374D60-F775-4AED-870B-1F2F6E07AE89}"/>
+              </a:ext>
+            </a:extLst>
+          </p:cNvPr>
+          <p:cNvSpPr txBox="1"/>
+          <p:nvPr/>
+        </p:nvSpPr>
+        <p:spPr>
+          <a:xfrm>
+            <a:off x="9616579" y="4545714"/>
+            <a:ext cx="2575421" cy="369332"/>
+          </a:xfrm>
+          <a:prstGeom prst="rect">
+            <a:avLst/>
+          </a:prstGeom>
+          <a:noFill/>
+        </p:spPr>
+        <p:txBody>
+          <a:bodyPr wrap="square" rtlCol="0">
+            <a:spAutoFit/>
+          </a:bodyPr>
+          <a:lstStyle/>
+          <a:p>
+            <a:r>
+              <a:rPr kumimoji="1" lang="ja-JP" altLang="en-US" dirty="0">
+                <a:latin typeface="メイリオ" panose="020B0604030504040204" pitchFamily="50" charset="-128"/>
+                <a:ea typeface="メイリオ" panose="020B0604030504040204" pitchFamily="50" charset="-128"/>
+              </a:rPr>
+              <a:t>討伐済みにするなら</a:t>
+            </a:r>
+            <a:r>
+              <a:rPr lang="en-US" altLang="ja-JP" dirty="0">
+                <a:latin typeface="メイリオ" panose="020B0604030504040204" pitchFamily="50" charset="-128"/>
+                <a:ea typeface="メイリオ" panose="020B0604030504040204" pitchFamily="50" charset="-128"/>
+              </a:rPr>
+              <a:t>-1</a:t>
+            </a:r>
+            <a:endParaRPr kumimoji="1" lang="ja-JP" altLang="en-US" dirty="0">
+              <a:latin typeface="メイリオ" panose="020B0604030504040204" pitchFamily="50" charset="-128"/>
+              <a:ea typeface="メイリオ" panose="020B0604030504040204" pitchFamily="50" charset="-128"/>
+            </a:endParaRPr>
+          </a:p>
+        </p:txBody>
+      </p:sp>
+      <p:sp>
+        <p:nvSpPr>
+          <p:cNvPr id="50" name="テキスト ボックス 49">
+            <a:extLst>
+              <a:ext uri="{FF2B5EF4-FFF2-40B4-BE49-F238E27FC236}">
+                <a16:creationId xmlns:a16="http://schemas.microsoft.com/office/drawing/2014/main" id="{F4D8683E-DA7D-48A3-9712-D1D13EF73B85}"/>
+              </a:ext>
+            </a:extLst>
+          </p:cNvPr>
+          <p:cNvSpPr txBox="1"/>
+          <p:nvPr/>
+        </p:nvSpPr>
+        <p:spPr>
+          <a:xfrm>
+            <a:off x="9638196" y="5422990"/>
+            <a:ext cx="2575421" cy="646331"/>
+          </a:xfrm>
+          <a:prstGeom prst="rect">
+            <a:avLst/>
+          </a:prstGeom>
+          <a:noFill/>
+        </p:spPr>
+        <p:txBody>
+          <a:bodyPr wrap="square" rtlCol="0">
+            <a:spAutoFit/>
+          </a:bodyPr>
+          <a:lstStyle/>
+          <a:p>
+            <a:r>
+              <a:rPr kumimoji="1" lang="en-US" altLang="ja-JP" dirty="0">
+                <a:latin typeface="メイリオ" panose="020B0604030504040204" pitchFamily="50" charset="-128"/>
+                <a:ea typeface="メイリオ" panose="020B0604030504040204" pitchFamily="50" charset="-128"/>
+              </a:rPr>
+              <a:t>※</a:t>
+            </a:r>
+            <a:r>
+              <a:rPr kumimoji="1" lang="ja-JP" altLang="en-US" dirty="0">
+                <a:latin typeface="メイリオ" panose="020B0604030504040204" pitchFamily="50" charset="-128"/>
+                <a:ea typeface="メイリオ" panose="020B0604030504040204" pitchFamily="50" charset="-128"/>
+              </a:rPr>
+              <a:t>間違ったダメージとかで</a:t>
+            </a:r>
+            <a:r>
+              <a:rPr kumimoji="1" lang="en-US" altLang="ja-JP" dirty="0">
+                <a:latin typeface="メイリオ" panose="020B0604030504040204" pitchFamily="50" charset="-128"/>
+                <a:ea typeface="メイリオ" panose="020B0604030504040204" pitchFamily="50" charset="-128"/>
+              </a:rPr>
+              <a:t>.end</a:t>
+            </a:r>
+            <a:r>
+              <a:rPr kumimoji="1" lang="ja-JP" altLang="en-US" dirty="0">
+                <a:latin typeface="メイリオ" panose="020B0604030504040204" pitchFamily="50" charset="-128"/>
+                <a:ea typeface="メイリオ" panose="020B0604030504040204" pitchFamily="50" charset="-128"/>
+              </a:rPr>
+              <a:t>したときとか</a:t>
+            </a:r>
+          </a:p>
+        </p:txBody>
+      </p:sp>
+    </p:spTree>
+    <p:extLst>
+      <p:ext uri="{BB962C8B-B14F-4D97-AF65-F5344CB8AC3E}">
+        <p14:creationId xmlns:p14="http://schemas.microsoft.com/office/powerpoint/2010/main" val="2232227473"/>
+      </p:ext>
+    </p:extLst>
+  </p:cSld>
+  <p:clrMapOvr>
+    <a:masterClrMapping/>
+  </p:clrMapOvr>
+</p:sld>
+</file>
+
+<file path=ppt/slides/slide4.xml><?xml version="1.0" encoding="utf-8"?>
+<p:sld xmlns:a="http://schemas.openxmlformats.org/drawingml/2006/main" xmlns:r="http://schemas.openxmlformats.org/officeDocument/2006/relationships" xmlns:p="http://schemas.openxmlformats.org/presentationml/2006/main">
+  <p:cSld>
+    <p:spTree>
+      <p:nvGrpSpPr>
+        <p:cNvPr id="1" name=""/>
+        <p:cNvGrpSpPr/>
+        <p:nvPr/>
+      </p:nvGrpSpPr>
+      <p:grpSpPr>
+        <a:xfrm>
+          <a:off x="0" y="0"/>
+          <a:ext cx="0" cy="0"/>
+          <a:chOff x="0" y="0"/>
+          <a:chExt cx="0" cy="0"/>
+        </a:xfrm>
+      </p:grpSpPr>
+      <p:pic>
+        <p:nvPicPr>
+          <p:cNvPr id="5" name="図 4">
+            <a:extLst>
+              <a:ext uri="{FF2B5EF4-FFF2-40B4-BE49-F238E27FC236}">
+                <a16:creationId xmlns:a16="http://schemas.microsoft.com/office/drawing/2014/main" id="{8978E43C-5319-47A8-A2F4-3058EC6430E5}"/>
+              </a:ext>
+            </a:extLst>
+          </p:cNvPr>
+          <p:cNvPicPr>
+            <a:picLocks noChangeAspect="1"/>
+          </p:cNvPicPr>
+          <p:nvPr/>
+        </p:nvPicPr>
+        <p:blipFill>
+          <a:blip r:embed="rId2"/>
+          <a:stretch>
+            <a:fillRect/>
+          </a:stretch>
+        </p:blipFill>
+        <p:spPr>
+          <a:xfrm>
+            <a:off x="168345" y="778458"/>
+            <a:ext cx="3022206" cy="1437529"/>
+          </a:xfrm>
+          <a:prstGeom prst="rect">
+            <a:avLst/>
+          </a:prstGeom>
+        </p:spPr>
+      </p:pic>
+      <p:sp>
+        <p:nvSpPr>
+          <p:cNvPr id="6" name="テキスト ボックス 5">
+            <a:extLst>
+              <a:ext uri="{FF2B5EF4-FFF2-40B4-BE49-F238E27FC236}">
+                <a16:creationId xmlns:a16="http://schemas.microsoft.com/office/drawing/2014/main" id="{143D64AE-1F70-4C0D-807A-68217AC2EDD8}"/>
+              </a:ext>
+            </a:extLst>
+          </p:cNvPr>
+          <p:cNvSpPr txBox="1"/>
+          <p:nvPr/>
+        </p:nvSpPr>
+        <p:spPr>
+          <a:xfrm>
+            <a:off x="168345" y="132127"/>
+            <a:ext cx="3740925" cy="646331"/>
+          </a:xfrm>
+          <a:prstGeom prst="rect">
+            <a:avLst/>
+          </a:prstGeom>
+          <a:noFill/>
+        </p:spPr>
+        <p:txBody>
+          <a:bodyPr wrap="square" rtlCol="0">
+            <a:spAutoFit/>
+          </a:bodyPr>
+          <a:lstStyle/>
+          <a:p>
+            <a:r>
+              <a:rPr kumimoji="1" lang="ja-JP" altLang="en-US" b="1" dirty="0">
+                <a:latin typeface="メイリオ" panose="020B0604030504040204" pitchFamily="50" charset="-128"/>
+                <a:ea typeface="メイリオ" panose="020B0604030504040204" pitchFamily="50" charset="-128"/>
+              </a:rPr>
+              <a:t>ボス名称の登録</a:t>
+            </a:r>
+            <a:endParaRPr kumimoji="1" lang="en-US" altLang="ja-JP" b="1" dirty="0">
+              <a:latin typeface="メイリオ" panose="020B0604030504040204" pitchFamily="50" charset="-128"/>
+              <a:ea typeface="メイリオ" panose="020B0604030504040204" pitchFamily="50" charset="-128"/>
+            </a:endParaRPr>
+          </a:p>
+          <a:p>
+            <a:r>
+              <a:rPr lang="en-US" altLang="ja-JP" dirty="0">
+                <a:latin typeface="メイリオ" panose="020B0604030504040204" pitchFamily="50" charset="-128"/>
+                <a:ea typeface="メイリオ" panose="020B0604030504040204" pitchFamily="50" charset="-128"/>
+              </a:rPr>
+              <a:t>.boss name [</a:t>
+            </a:r>
+            <a:r>
+              <a:rPr lang="ja-JP" altLang="en-US" dirty="0">
+                <a:latin typeface="メイリオ" panose="020B0604030504040204" pitchFamily="50" charset="-128"/>
+                <a:ea typeface="メイリオ" panose="020B0604030504040204" pitchFamily="50" charset="-128"/>
+              </a:rPr>
+              <a:t>ボス</a:t>
+            </a:r>
+            <a:r>
+              <a:rPr lang="en-US" altLang="ja-JP" dirty="0">
+                <a:latin typeface="メイリオ" panose="020B0604030504040204" pitchFamily="50" charset="-128"/>
+                <a:ea typeface="メイリオ" panose="020B0604030504040204" pitchFamily="50" charset="-128"/>
+              </a:rPr>
+              <a:t>No.] [</a:t>
+            </a:r>
+            <a:r>
+              <a:rPr lang="ja-JP" altLang="en-US" dirty="0">
+                <a:latin typeface="メイリオ" panose="020B0604030504040204" pitchFamily="50" charset="-128"/>
+                <a:ea typeface="メイリオ" panose="020B0604030504040204" pitchFamily="50" charset="-128"/>
+              </a:rPr>
+              <a:t>お名前</a:t>
+            </a:r>
+            <a:r>
+              <a:rPr lang="en-US" altLang="ja-JP" dirty="0">
+                <a:latin typeface="メイリオ" panose="020B0604030504040204" pitchFamily="50" charset="-128"/>
+                <a:ea typeface="メイリオ" panose="020B0604030504040204" pitchFamily="50" charset="-128"/>
+              </a:rPr>
+              <a:t>]</a:t>
+            </a:r>
+            <a:endParaRPr kumimoji="1" lang="en-US" altLang="ja-JP" dirty="0">
+              <a:latin typeface="メイリオ" panose="020B0604030504040204" pitchFamily="50" charset="-128"/>
+              <a:ea typeface="メイリオ" panose="020B0604030504040204" pitchFamily="50" charset="-128"/>
+            </a:endParaRPr>
+          </a:p>
+        </p:txBody>
+      </p:sp>
+      <p:pic>
+        <p:nvPicPr>
+          <p:cNvPr id="8" name="図 7">
+            <a:extLst>
+              <a:ext uri="{FF2B5EF4-FFF2-40B4-BE49-F238E27FC236}">
+                <a16:creationId xmlns:a16="http://schemas.microsoft.com/office/drawing/2014/main" id="{9CE6507E-281D-4C42-8230-DDDCC29D2C60}"/>
+              </a:ext>
+            </a:extLst>
+          </p:cNvPr>
+          <p:cNvPicPr>
+            <a:picLocks noChangeAspect="1"/>
+          </p:cNvPicPr>
+          <p:nvPr/>
+        </p:nvPicPr>
+        <p:blipFill>
+          <a:blip r:embed="rId3"/>
+          <a:stretch>
+            <a:fillRect/>
+          </a:stretch>
+        </p:blipFill>
+        <p:spPr>
+          <a:xfrm>
+            <a:off x="168345" y="2393682"/>
+            <a:ext cx="3022206" cy="1666353"/>
+          </a:xfrm>
+          <a:prstGeom prst="rect">
+            <a:avLst/>
+          </a:prstGeom>
+        </p:spPr>
+      </p:pic>
+      <p:sp>
+        <p:nvSpPr>
+          <p:cNvPr id="9" name="正方形/長方形 8">
+            <a:extLst>
+              <a:ext uri="{FF2B5EF4-FFF2-40B4-BE49-F238E27FC236}">
+                <a16:creationId xmlns:a16="http://schemas.microsoft.com/office/drawing/2014/main" id="{7CC33A51-4D37-4D48-97D8-193F903B3E2E}"/>
+              </a:ext>
+            </a:extLst>
+          </p:cNvPr>
+          <p:cNvSpPr/>
+          <p:nvPr/>
+        </p:nvSpPr>
+        <p:spPr>
+          <a:xfrm>
+            <a:off x="377504" y="3063275"/>
+            <a:ext cx="822122" cy="241987"/>
+          </a:xfrm>
+          <a:prstGeom prst="rect">
+            <a:avLst/>
+          </a:prstGeom>
+          <a:noFill/>
+          <a:ln>
+            <a:solidFill>
+              <a:srgbClr val="FF0000"/>
+            </a:solidFill>
+          </a:ln>
+        </p:spPr>
+        <p:style>
+          <a:lnRef idx="2">
+            <a:schemeClr val="accent1">
+              <a:shade val="50000"/>
+            </a:schemeClr>
+          </a:lnRef>
+          <a:fillRef idx="1">
+            <a:schemeClr val="accent1"/>
+          </a:fillRef>
+          <a:effectRef idx="0">
+            <a:schemeClr val="accent1"/>
+          </a:effectRef>
+          <a:fontRef idx="minor">
+            <a:schemeClr val="lt1"/>
+          </a:fontRef>
+        </p:style>
+        <p:txBody>
+          <a:bodyPr rtlCol="0" anchor="ctr"/>
+          <a:lstStyle/>
+          <a:p>
+            <a:pPr algn="ctr"/>
+            <a:endParaRPr kumimoji="1" lang="ja-JP" altLang="en-US"/>
+          </a:p>
+        </p:txBody>
+      </p:sp>
+      <p:pic>
+        <p:nvPicPr>
+          <p:cNvPr id="11" name="図 10">
+            <a:extLst>
+              <a:ext uri="{FF2B5EF4-FFF2-40B4-BE49-F238E27FC236}">
+                <a16:creationId xmlns:a16="http://schemas.microsoft.com/office/drawing/2014/main" id="{FD2A2CC0-15FC-48B4-9570-B82D5018994A}"/>
+              </a:ext>
+            </a:extLst>
+          </p:cNvPr>
+          <p:cNvPicPr>
+            <a:picLocks noChangeAspect="1"/>
+          </p:cNvPicPr>
+          <p:nvPr/>
+        </p:nvPicPr>
+        <p:blipFill>
+          <a:blip r:embed="rId4"/>
+          <a:stretch>
+            <a:fillRect/>
+          </a:stretch>
+        </p:blipFill>
+        <p:spPr>
+          <a:xfrm>
+            <a:off x="4355850" y="1038359"/>
+            <a:ext cx="2911098" cy="1488629"/>
+          </a:xfrm>
+          <a:prstGeom prst="rect">
+            <a:avLst/>
+          </a:prstGeom>
+        </p:spPr>
+      </p:pic>
+      <p:sp>
+        <p:nvSpPr>
+          <p:cNvPr id="12" name="テキスト ボックス 11">
+            <a:extLst>
+              <a:ext uri="{FF2B5EF4-FFF2-40B4-BE49-F238E27FC236}">
+                <a16:creationId xmlns:a16="http://schemas.microsoft.com/office/drawing/2014/main" id="{EDFDC0C9-ACBA-4E5C-BA96-FEA79FA40B0B}"/>
+              </a:ext>
+            </a:extLst>
+          </p:cNvPr>
+          <p:cNvSpPr txBox="1"/>
+          <p:nvPr/>
+        </p:nvSpPr>
+        <p:spPr>
+          <a:xfrm>
+            <a:off x="4355849" y="115029"/>
+            <a:ext cx="4997876" cy="923330"/>
+          </a:xfrm>
+          <a:prstGeom prst="rect">
+            <a:avLst/>
+          </a:prstGeom>
+          <a:noFill/>
+        </p:spPr>
+        <p:txBody>
+          <a:bodyPr wrap="square" rtlCol="0">
+            <a:spAutoFit/>
+          </a:bodyPr>
+          <a:lstStyle/>
+          <a:p>
+            <a:r>
+              <a:rPr kumimoji="1" lang="ja-JP" altLang="en-US" b="1" dirty="0">
+                <a:latin typeface="メイリオ" panose="020B0604030504040204" pitchFamily="50" charset="-128"/>
+                <a:ea typeface="メイリオ" panose="020B0604030504040204" pitchFamily="50" charset="-128"/>
+              </a:rPr>
+              <a:t>ボス最大</a:t>
+            </a:r>
+            <a:r>
+              <a:rPr kumimoji="1" lang="en-US" altLang="ja-JP" b="1" dirty="0">
+                <a:latin typeface="メイリオ" panose="020B0604030504040204" pitchFamily="50" charset="-128"/>
+                <a:ea typeface="メイリオ" panose="020B0604030504040204" pitchFamily="50" charset="-128"/>
+              </a:rPr>
+              <a:t>HP</a:t>
+            </a:r>
+            <a:r>
+              <a:rPr kumimoji="1" lang="ja-JP" altLang="en-US" b="1" dirty="0">
+                <a:latin typeface="メイリオ" panose="020B0604030504040204" pitchFamily="50" charset="-128"/>
+                <a:ea typeface="メイリオ" panose="020B0604030504040204" pitchFamily="50" charset="-128"/>
+              </a:rPr>
+              <a:t>の登録</a:t>
+            </a:r>
+            <a:endParaRPr kumimoji="1" lang="en-US" altLang="ja-JP" b="1" dirty="0">
+              <a:latin typeface="メイリオ" panose="020B0604030504040204" pitchFamily="50" charset="-128"/>
+              <a:ea typeface="メイリオ" panose="020B0604030504040204" pitchFamily="50" charset="-128"/>
+            </a:endParaRPr>
+          </a:p>
+          <a:p>
+            <a:r>
+              <a:rPr lang="en-US" altLang="ja-JP" dirty="0">
+                <a:latin typeface="メイリオ" panose="020B0604030504040204" pitchFamily="50" charset="-128"/>
+                <a:ea typeface="メイリオ" panose="020B0604030504040204" pitchFamily="50" charset="-128"/>
+              </a:rPr>
+              <a:t>.boss hp [</a:t>
+            </a:r>
+            <a:r>
+              <a:rPr lang="ja-JP" altLang="en-US" dirty="0">
+                <a:latin typeface="メイリオ" panose="020B0604030504040204" pitchFamily="50" charset="-128"/>
+                <a:ea typeface="メイリオ" panose="020B0604030504040204" pitchFamily="50" charset="-128"/>
+              </a:rPr>
+              <a:t>ボス</a:t>
+            </a:r>
+            <a:r>
+              <a:rPr lang="en-US" altLang="ja-JP" dirty="0">
+                <a:latin typeface="メイリオ" panose="020B0604030504040204" pitchFamily="50" charset="-128"/>
+                <a:ea typeface="メイリオ" panose="020B0604030504040204" pitchFamily="50" charset="-128"/>
+              </a:rPr>
+              <a:t>No.] [</a:t>
+            </a:r>
+            <a:r>
+              <a:rPr lang="ja-JP" altLang="en-US" dirty="0">
+                <a:latin typeface="メイリオ" panose="020B0604030504040204" pitchFamily="50" charset="-128"/>
+                <a:ea typeface="メイリオ" panose="020B0604030504040204" pitchFamily="50" charset="-128"/>
+              </a:rPr>
+              <a:t>最大</a:t>
+            </a:r>
+            <a:r>
+              <a:rPr lang="en-US" altLang="ja-JP" dirty="0">
+                <a:latin typeface="メイリオ" panose="020B0604030504040204" pitchFamily="50" charset="-128"/>
+                <a:ea typeface="メイリオ" panose="020B0604030504040204" pitchFamily="50" charset="-128"/>
+              </a:rPr>
+              <a:t>HP]</a:t>
+            </a:r>
+          </a:p>
+          <a:p>
+            <a:r>
+              <a:rPr kumimoji="1" lang="en-US" altLang="ja-JP" dirty="0">
+                <a:solidFill>
+                  <a:srgbClr val="FF0000"/>
+                </a:solidFill>
+                <a:latin typeface="メイリオ" panose="020B0604030504040204" pitchFamily="50" charset="-128"/>
+                <a:ea typeface="メイリオ" panose="020B0604030504040204" pitchFamily="50" charset="-128"/>
+              </a:rPr>
+              <a:t>※</a:t>
+            </a:r>
+            <a:r>
+              <a:rPr kumimoji="1" lang="ja-JP" altLang="en-US" dirty="0">
+                <a:solidFill>
+                  <a:srgbClr val="FF0000"/>
+                </a:solidFill>
+                <a:latin typeface="メイリオ" panose="020B0604030504040204" pitchFamily="50" charset="-128"/>
+                <a:ea typeface="メイリオ" panose="020B0604030504040204" pitchFamily="50" charset="-128"/>
+              </a:rPr>
+              <a:t>段階が切り替わった際に使うこと！</a:t>
+            </a:r>
+            <a:endParaRPr kumimoji="1" lang="en-US" altLang="ja-JP" dirty="0">
+              <a:solidFill>
+                <a:srgbClr val="FF0000"/>
+              </a:solidFill>
+              <a:latin typeface="メイリオ" panose="020B0604030504040204" pitchFamily="50" charset="-128"/>
+              <a:ea typeface="メイリオ" panose="020B0604030504040204" pitchFamily="50" charset="-128"/>
+            </a:endParaRPr>
+          </a:p>
+        </p:txBody>
+      </p:sp>
+      <p:pic>
+        <p:nvPicPr>
+          <p:cNvPr id="18" name="図 17">
+            <a:extLst>
+              <a:ext uri="{FF2B5EF4-FFF2-40B4-BE49-F238E27FC236}">
+                <a16:creationId xmlns:a16="http://schemas.microsoft.com/office/drawing/2014/main" id="{3283918D-2A10-459C-B5D9-21E4C719D6EA}"/>
+              </a:ext>
+            </a:extLst>
+          </p:cNvPr>
+          <p:cNvPicPr>
+            <a:picLocks noChangeAspect="1"/>
+          </p:cNvPicPr>
+          <p:nvPr/>
+        </p:nvPicPr>
+        <p:blipFill>
+          <a:blip r:embed="rId5"/>
+          <a:stretch>
+            <a:fillRect/>
+          </a:stretch>
+        </p:blipFill>
+        <p:spPr>
+          <a:xfrm>
+            <a:off x="4355849" y="2670682"/>
+            <a:ext cx="2911099" cy="1666353"/>
+          </a:xfrm>
+          <a:prstGeom prst="rect">
+            <a:avLst/>
+          </a:prstGeom>
+        </p:spPr>
+      </p:pic>
+    </p:spTree>
+    <p:extLst>
+      <p:ext uri="{BB962C8B-B14F-4D97-AF65-F5344CB8AC3E}">
+        <p14:creationId xmlns:p14="http://schemas.microsoft.com/office/powerpoint/2010/main" val="1148211675"/>
+      </p:ext>
+    </p:extLst>
+  </p:cSld>
+  <p:clrMapOvr>
+    <a:masterClrMapping/>
+  </p:clrMapOvr>
+</p:sld>
+</file>
+
+<file path=ppt/slides/slide5.xml><?xml version="1.0" encoding="utf-8"?>
+<p:sld xmlns:a="http://schemas.openxmlformats.org/drawingml/2006/main" xmlns:r="http://schemas.openxmlformats.org/officeDocument/2006/relationships" xmlns:p="http://schemas.openxmlformats.org/presentationml/2006/main">
+  <p:cSld>
+    <p:spTree>
+      <p:nvGrpSpPr>
+        <p:cNvPr id="1" name=""/>
+        <p:cNvGrpSpPr/>
+        <p:nvPr/>
+      </p:nvGrpSpPr>
+      <p:grpSpPr>
+        <a:xfrm>
+          <a:off x="0" y="0"/>
+          <a:ext cx="0" cy="0"/>
+          <a:chOff x="0" y="0"/>
+          <a:chExt cx="0" cy="0"/>
+        </a:xfrm>
+      </p:grpSpPr>
+      <p:sp>
+        <p:nvSpPr>
+          <p:cNvPr id="20" name="テキスト ボックス 19">
+            <a:extLst>
+              <a:ext uri="{FF2B5EF4-FFF2-40B4-BE49-F238E27FC236}">
+                <a16:creationId xmlns:a16="http://schemas.microsoft.com/office/drawing/2014/main" id="{3C06C40D-7A57-4882-8A38-9D3E9FAC60A2}"/>
+              </a:ext>
+            </a:extLst>
+          </p:cNvPr>
+          <p:cNvSpPr txBox="1"/>
+          <p:nvPr/>
+        </p:nvSpPr>
+        <p:spPr>
+          <a:xfrm>
+            <a:off x="-3" y="222797"/>
+            <a:ext cx="7516538" cy="646331"/>
+          </a:xfrm>
+          <a:prstGeom prst="rect">
+            <a:avLst/>
+          </a:prstGeom>
+          <a:noFill/>
+        </p:spPr>
+        <p:txBody>
+          <a:bodyPr wrap="square" rtlCol="0">
+            <a:spAutoFit/>
+          </a:bodyPr>
+          <a:lstStyle/>
+          <a:p>
+            <a:r>
+              <a:rPr kumimoji="1" lang="ja-JP" altLang="en-US" b="1" dirty="0">
+                <a:latin typeface="メイリオ" panose="020B0604030504040204" pitchFamily="50" charset="-128"/>
+                <a:ea typeface="メイリオ" panose="020B0604030504040204" pitchFamily="50" charset="-128"/>
+              </a:rPr>
+              <a:t>持越しの登録</a:t>
+            </a:r>
+            <a:endParaRPr kumimoji="1" lang="en-US" altLang="ja-JP" b="1" dirty="0">
+              <a:latin typeface="メイリオ" panose="020B0604030504040204" pitchFamily="50" charset="-128"/>
+              <a:ea typeface="メイリオ" panose="020B0604030504040204" pitchFamily="50" charset="-128"/>
+            </a:endParaRPr>
+          </a:p>
+          <a:p>
+            <a:r>
+              <a:rPr lang="en-US" altLang="ja-JP" dirty="0">
+                <a:latin typeface="メイリオ" panose="020B0604030504040204" pitchFamily="50" charset="-128"/>
+                <a:ea typeface="メイリオ" panose="020B0604030504040204" pitchFamily="50" charset="-128"/>
+              </a:rPr>
+              <a:t>.co [</a:t>
+            </a:r>
+            <a:r>
+              <a:rPr lang="ja-JP" altLang="en-US" dirty="0">
+                <a:latin typeface="メイリオ" panose="020B0604030504040204" pitchFamily="50" charset="-128"/>
+                <a:ea typeface="メイリオ" panose="020B0604030504040204" pitchFamily="50" charset="-128"/>
+              </a:rPr>
+              <a:t>ボス</a:t>
+            </a:r>
+            <a:r>
+              <a:rPr lang="en-US" altLang="ja-JP" dirty="0">
+                <a:latin typeface="メイリオ" panose="020B0604030504040204" pitchFamily="50" charset="-128"/>
+                <a:ea typeface="メイリオ" panose="020B0604030504040204" pitchFamily="50" charset="-128"/>
+              </a:rPr>
+              <a:t>No] [</a:t>
+            </a:r>
+            <a:r>
+              <a:rPr lang="ja-JP" altLang="en-US" dirty="0">
+                <a:latin typeface="メイリオ" panose="020B0604030504040204" pitchFamily="50" charset="-128"/>
+                <a:ea typeface="メイリオ" panose="020B0604030504040204" pitchFamily="50" charset="-128"/>
+              </a:rPr>
+              <a:t>残秒数</a:t>
+            </a:r>
+            <a:r>
+              <a:rPr lang="en-US" altLang="ja-JP" dirty="0">
+                <a:latin typeface="メイリオ" panose="020B0604030504040204" pitchFamily="50" charset="-128"/>
+                <a:ea typeface="メイリオ" panose="020B0604030504040204" pitchFamily="50" charset="-128"/>
+              </a:rPr>
+              <a:t>] [</a:t>
+            </a:r>
+            <a:r>
+              <a:rPr lang="ja-JP" altLang="en-US" dirty="0">
+                <a:latin typeface="メイリオ" panose="020B0604030504040204" pitchFamily="50" charset="-128"/>
+                <a:ea typeface="メイリオ" panose="020B0604030504040204" pitchFamily="50" charset="-128"/>
+              </a:rPr>
+              <a:t>パーティ</a:t>
+            </a:r>
+            <a:r>
+              <a:rPr lang="en-US" altLang="ja-JP" dirty="0">
+                <a:latin typeface="メイリオ" panose="020B0604030504040204" pitchFamily="50" charset="-128"/>
+                <a:ea typeface="メイリオ" panose="020B0604030504040204" pitchFamily="50" charset="-128"/>
+              </a:rPr>
+              <a:t>] [</a:t>
+            </a:r>
+            <a:r>
+              <a:rPr lang="ja-JP" altLang="en-US" dirty="0">
+                <a:latin typeface="メイリオ" panose="020B0604030504040204" pitchFamily="50" charset="-128"/>
+                <a:ea typeface="メイリオ" panose="020B0604030504040204" pitchFamily="50" charset="-128"/>
+              </a:rPr>
+              <a:t>ダメージ</a:t>
+            </a:r>
+            <a:r>
+              <a:rPr lang="en-US" altLang="ja-JP" dirty="0">
+                <a:latin typeface="メイリオ" panose="020B0604030504040204" pitchFamily="50" charset="-128"/>
+                <a:ea typeface="メイリオ" panose="020B0604030504040204" pitchFamily="50" charset="-128"/>
+              </a:rPr>
+              <a:t>] [</a:t>
+            </a:r>
+            <a:r>
+              <a:rPr lang="ja-JP" altLang="en-US" dirty="0">
+                <a:latin typeface="メイリオ" panose="020B0604030504040204" pitchFamily="50" charset="-128"/>
+                <a:ea typeface="メイリオ" panose="020B0604030504040204" pitchFamily="50" charset="-128"/>
+              </a:rPr>
+              <a:t>コメント</a:t>
+            </a:r>
+            <a:r>
+              <a:rPr lang="en-US" altLang="ja-JP" dirty="0">
+                <a:latin typeface="メイリオ" panose="020B0604030504040204" pitchFamily="50" charset="-128"/>
+                <a:ea typeface="メイリオ" panose="020B0604030504040204" pitchFamily="50" charset="-128"/>
+              </a:rPr>
+              <a:t>]</a:t>
+            </a:r>
+            <a:endParaRPr kumimoji="1" lang="ja-JP" altLang="en-US" dirty="0">
+              <a:latin typeface="メイリオ" panose="020B0604030504040204" pitchFamily="50" charset="-128"/>
+              <a:ea typeface="メイリオ" panose="020B0604030504040204" pitchFamily="50" charset="-128"/>
+            </a:endParaRPr>
+          </a:p>
+        </p:txBody>
+      </p:sp>
+      <p:sp>
+        <p:nvSpPr>
+          <p:cNvPr id="23" name="テキスト ボックス 22">
+            <a:extLst>
+              <a:ext uri="{FF2B5EF4-FFF2-40B4-BE49-F238E27FC236}">
+                <a16:creationId xmlns:a16="http://schemas.microsoft.com/office/drawing/2014/main" id="{4E74F4A6-606D-48D9-A4FA-DDED674BAB33}"/>
+              </a:ext>
+            </a:extLst>
+          </p:cNvPr>
+          <p:cNvSpPr txBox="1"/>
+          <p:nvPr/>
+        </p:nvSpPr>
+        <p:spPr>
+          <a:xfrm>
+            <a:off x="5191613" y="1079627"/>
+            <a:ext cx="2315744" cy="646331"/>
+          </a:xfrm>
+          <a:prstGeom prst="rect">
+            <a:avLst/>
+          </a:prstGeom>
+          <a:noFill/>
+        </p:spPr>
+        <p:txBody>
+          <a:bodyPr wrap="square" rtlCol="0">
+            <a:spAutoFit/>
+          </a:bodyPr>
+          <a:lstStyle/>
+          <a:p>
+            <a:r>
+              <a:rPr kumimoji="1" lang="ja-JP" altLang="en-US" b="1" dirty="0">
+                <a:latin typeface="メイリオ" panose="020B0604030504040204" pitchFamily="50" charset="-128"/>
+                <a:ea typeface="メイリオ" panose="020B0604030504040204" pitchFamily="50" charset="-128"/>
+              </a:rPr>
+              <a:t>持越しの削除</a:t>
+            </a:r>
+            <a:endParaRPr kumimoji="1" lang="en-US" altLang="ja-JP" b="1" dirty="0">
+              <a:latin typeface="メイリオ" panose="020B0604030504040204" pitchFamily="50" charset="-128"/>
+              <a:ea typeface="メイリオ" panose="020B0604030504040204" pitchFamily="50" charset="-128"/>
+            </a:endParaRPr>
+          </a:p>
+          <a:p>
+            <a:r>
+              <a:rPr lang="en-US" altLang="ja-JP" dirty="0">
+                <a:latin typeface="メイリオ" panose="020B0604030504040204" pitchFamily="50" charset="-128"/>
+                <a:ea typeface="メイリオ" panose="020B0604030504040204" pitchFamily="50" charset="-128"/>
+              </a:rPr>
+              <a:t>.</a:t>
+            </a:r>
+            <a:r>
+              <a:rPr lang="en-US" altLang="ja-JP" dirty="0" err="1">
+                <a:latin typeface="メイリオ" panose="020B0604030504040204" pitchFamily="50" charset="-128"/>
+                <a:ea typeface="メイリオ" panose="020B0604030504040204" pitchFamily="50" charset="-128"/>
+              </a:rPr>
+              <a:t>delco</a:t>
+            </a:r>
+            <a:r>
+              <a:rPr lang="en-US" altLang="ja-JP" dirty="0">
+                <a:latin typeface="メイリオ" panose="020B0604030504040204" pitchFamily="50" charset="-128"/>
+                <a:ea typeface="メイリオ" panose="020B0604030504040204" pitchFamily="50" charset="-128"/>
+              </a:rPr>
+              <a:t> [</a:t>
+            </a:r>
+            <a:r>
+              <a:rPr lang="ja-JP" altLang="en-US" dirty="0">
+                <a:latin typeface="メイリオ" panose="020B0604030504040204" pitchFamily="50" charset="-128"/>
+                <a:ea typeface="メイリオ" panose="020B0604030504040204" pitchFamily="50" charset="-128"/>
+              </a:rPr>
+              <a:t>持越し</a:t>
+            </a:r>
+            <a:r>
+              <a:rPr lang="en-US" altLang="ja-JP" dirty="0">
+                <a:latin typeface="メイリオ" panose="020B0604030504040204" pitchFamily="50" charset="-128"/>
+                <a:ea typeface="メイリオ" panose="020B0604030504040204" pitchFamily="50" charset="-128"/>
+              </a:rPr>
+              <a:t>No]</a:t>
+            </a:r>
+            <a:endParaRPr kumimoji="1" lang="ja-JP" altLang="en-US" dirty="0">
+              <a:latin typeface="メイリオ" panose="020B0604030504040204" pitchFamily="50" charset="-128"/>
+              <a:ea typeface="メイリオ" panose="020B0604030504040204" pitchFamily="50" charset="-128"/>
+            </a:endParaRPr>
+          </a:p>
+        </p:txBody>
+      </p:sp>
+      <p:sp>
+        <p:nvSpPr>
+          <p:cNvPr id="24" name="テキスト ボックス 23">
+            <a:extLst>
+              <a:ext uri="{FF2B5EF4-FFF2-40B4-BE49-F238E27FC236}">
+                <a16:creationId xmlns:a16="http://schemas.microsoft.com/office/drawing/2014/main" id="{5D309C6E-0581-4A06-9B6F-CED31CEAC7BC}"/>
+              </a:ext>
+            </a:extLst>
+          </p:cNvPr>
+          <p:cNvSpPr txBox="1"/>
+          <p:nvPr/>
+        </p:nvSpPr>
+        <p:spPr>
+          <a:xfrm>
+            <a:off x="-3" y="5530443"/>
+            <a:ext cx="4313342" cy="369332"/>
+          </a:xfrm>
+          <a:prstGeom prst="rect">
+            <a:avLst/>
+          </a:prstGeom>
+          <a:noFill/>
+        </p:spPr>
+        <p:txBody>
+          <a:bodyPr wrap="square" rtlCol="0">
+            <a:spAutoFit/>
+          </a:bodyPr>
+          <a:lstStyle/>
+          <a:p>
+            <a:r>
+              <a:rPr kumimoji="1" lang="en-US" altLang="ja-JP" dirty="0">
+                <a:latin typeface="メイリオ" panose="020B0604030504040204" pitchFamily="50" charset="-128"/>
+                <a:ea typeface="メイリオ" panose="020B0604030504040204" pitchFamily="50" charset="-128"/>
+              </a:rPr>
+              <a:t>※</a:t>
+            </a:r>
+            <a:r>
+              <a:rPr kumimoji="1" lang="ja-JP" altLang="en-US" dirty="0">
+                <a:latin typeface="メイリオ" panose="020B0604030504040204" pitchFamily="50" charset="-128"/>
+                <a:ea typeface="メイリオ" panose="020B0604030504040204" pitchFamily="50" charset="-128"/>
+              </a:rPr>
+              <a:t>上書きも同じコマンドをもう一回送信</a:t>
+            </a:r>
+          </a:p>
+        </p:txBody>
+      </p:sp>
+      <p:pic>
+        <p:nvPicPr>
+          <p:cNvPr id="28" name="図 27">
+            <a:extLst>
+              <a:ext uri="{FF2B5EF4-FFF2-40B4-BE49-F238E27FC236}">
+                <a16:creationId xmlns:a16="http://schemas.microsoft.com/office/drawing/2014/main" id="{108A38AD-D8E3-4A75-9689-4346B0933DD6}"/>
+              </a:ext>
+            </a:extLst>
+          </p:cNvPr>
+          <p:cNvPicPr>
+            <a:picLocks noChangeAspect="1"/>
+          </p:cNvPicPr>
+          <p:nvPr/>
+        </p:nvPicPr>
+        <p:blipFill>
+          <a:blip r:embed="rId2"/>
+          <a:stretch>
+            <a:fillRect/>
+          </a:stretch>
+        </p:blipFill>
+        <p:spPr>
+          <a:xfrm>
+            <a:off x="5259898" y="1720841"/>
+            <a:ext cx="3541583" cy="2316675"/>
+          </a:xfrm>
+          <a:prstGeom prst="rect">
+            <a:avLst/>
+          </a:prstGeom>
+        </p:spPr>
+      </p:pic>
+      <p:pic>
+        <p:nvPicPr>
+          <p:cNvPr id="30" name="図 29">
+            <a:extLst>
+              <a:ext uri="{FF2B5EF4-FFF2-40B4-BE49-F238E27FC236}">
+                <a16:creationId xmlns:a16="http://schemas.microsoft.com/office/drawing/2014/main" id="{CE5BCE71-B2F1-4121-8954-CB84D8FBCC0F}"/>
+              </a:ext>
+            </a:extLst>
+          </p:cNvPr>
+          <p:cNvPicPr>
+            <a:picLocks noChangeAspect="1"/>
+          </p:cNvPicPr>
+          <p:nvPr/>
+        </p:nvPicPr>
+        <p:blipFill>
+          <a:blip r:embed="rId3"/>
+          <a:stretch>
+            <a:fillRect/>
+          </a:stretch>
+        </p:blipFill>
+        <p:spPr>
+          <a:xfrm>
+            <a:off x="8986007" y="2790645"/>
+            <a:ext cx="3124636" cy="1238423"/>
+          </a:xfrm>
+          <a:prstGeom prst="rect">
+            <a:avLst/>
+          </a:prstGeom>
+        </p:spPr>
+      </p:pic>
+      <p:sp>
+        <p:nvSpPr>
+          <p:cNvPr id="31" name="正方形/長方形 30">
+            <a:extLst>
+              <a:ext uri="{FF2B5EF4-FFF2-40B4-BE49-F238E27FC236}">
+                <a16:creationId xmlns:a16="http://schemas.microsoft.com/office/drawing/2014/main" id="{A731936D-2716-4659-846E-805AE19C1BF4}"/>
+              </a:ext>
+            </a:extLst>
+          </p:cNvPr>
+          <p:cNvSpPr/>
+          <p:nvPr/>
+        </p:nvSpPr>
+        <p:spPr>
+          <a:xfrm>
+            <a:off x="5949003" y="3671047"/>
+            <a:ext cx="266328" cy="179198"/>
+          </a:xfrm>
+          <a:prstGeom prst="rect">
+            <a:avLst/>
+          </a:prstGeom>
+          <a:noFill/>
+          <a:ln>
+            <a:solidFill>
+              <a:srgbClr val="FF0000"/>
+            </a:solidFill>
+          </a:ln>
+        </p:spPr>
+        <p:style>
+          <a:lnRef idx="2">
+            <a:schemeClr val="accent1">
+              <a:shade val="50000"/>
+            </a:schemeClr>
+          </a:lnRef>
+          <a:fillRef idx="1">
+            <a:schemeClr val="accent1"/>
+          </a:fillRef>
+          <a:effectRef idx="0">
+            <a:schemeClr val="accent1"/>
+          </a:effectRef>
+          <a:fontRef idx="minor">
+            <a:schemeClr val="lt1"/>
+          </a:fontRef>
+        </p:style>
+        <p:txBody>
+          <a:bodyPr rtlCol="0" anchor="ctr"/>
+          <a:lstStyle/>
+          <a:p>
+            <a:pPr algn="ctr"/>
+            <a:endParaRPr kumimoji="1" lang="ja-JP" altLang="en-US"/>
+          </a:p>
+        </p:txBody>
+      </p:sp>
+      <p:sp>
+        <p:nvSpPr>
+          <p:cNvPr id="32" name="テキスト ボックス 31">
+            <a:extLst>
+              <a:ext uri="{FF2B5EF4-FFF2-40B4-BE49-F238E27FC236}">
+                <a16:creationId xmlns:a16="http://schemas.microsoft.com/office/drawing/2014/main" id="{5B1457EF-46FE-4F3C-A744-052AC7E74DF8}"/>
+              </a:ext>
+            </a:extLst>
+          </p:cNvPr>
+          <p:cNvSpPr txBox="1"/>
+          <p:nvPr/>
+        </p:nvSpPr>
+        <p:spPr>
+          <a:xfrm>
+            <a:off x="8986006" y="2377878"/>
+            <a:ext cx="1324063" cy="369332"/>
+          </a:xfrm>
+          <a:prstGeom prst="rect">
+            <a:avLst/>
+          </a:prstGeom>
+          <a:noFill/>
+        </p:spPr>
+        <p:txBody>
+          <a:bodyPr wrap="square" rtlCol="0">
+            <a:spAutoFit/>
+          </a:bodyPr>
+          <a:lstStyle/>
+          <a:p>
+            <a:r>
+              <a:rPr lang="ja-JP" altLang="en-US" dirty="0">
+                <a:latin typeface="メイリオ" panose="020B0604030504040204" pitchFamily="50" charset="-128"/>
+                <a:ea typeface="メイリオ" panose="020B0604030504040204" pitchFamily="50" charset="-128"/>
+              </a:rPr>
+              <a:t>持越し</a:t>
+            </a:r>
+            <a:r>
+              <a:rPr lang="en-US" altLang="ja-JP" dirty="0">
+                <a:latin typeface="メイリオ" panose="020B0604030504040204" pitchFamily="50" charset="-128"/>
+                <a:ea typeface="メイリオ" panose="020B0604030504040204" pitchFamily="50" charset="-128"/>
+              </a:rPr>
+              <a:t>No</a:t>
+            </a:r>
+            <a:endParaRPr kumimoji="1" lang="ja-JP" altLang="en-US" dirty="0">
+              <a:latin typeface="メイリオ" panose="020B0604030504040204" pitchFamily="50" charset="-128"/>
+              <a:ea typeface="メイリオ" panose="020B0604030504040204" pitchFamily="50" charset="-128"/>
+            </a:endParaRPr>
+          </a:p>
+        </p:txBody>
+      </p:sp>
+      <p:cxnSp>
+        <p:nvCxnSpPr>
+          <p:cNvPr id="33" name="直線矢印コネクタ 32">
+            <a:extLst>
+              <a:ext uri="{FF2B5EF4-FFF2-40B4-BE49-F238E27FC236}">
+                <a16:creationId xmlns:a16="http://schemas.microsoft.com/office/drawing/2014/main" id="{860DD035-B776-4606-8928-B637AE378996}"/>
+              </a:ext>
+            </a:extLst>
+          </p:cNvPr>
+          <p:cNvCxnSpPr>
+            <a:cxnSpLocks/>
+            <a:stCxn id="32" idx="1"/>
+          </p:cNvCxnSpPr>
+          <p:nvPr/>
+        </p:nvCxnSpPr>
+        <p:spPr>
+          <a:xfrm flipH="1">
+            <a:off x="6215332" y="2562544"/>
+            <a:ext cx="2770674" cy="1205918"/>
+          </a:xfrm>
+          <a:prstGeom prst="straightConnector1">
+            <a:avLst/>
+          </a:prstGeom>
+          <a:ln>
+            <a:solidFill>
+              <a:srgbClr val="FF0000"/>
+            </a:solidFill>
+            <a:tailEnd type="triangle"/>
+          </a:ln>
+        </p:spPr>
+        <p:style>
+          <a:lnRef idx="1">
+            <a:schemeClr val="accent1"/>
+          </a:lnRef>
+          <a:fillRef idx="0">
+            <a:schemeClr val="accent1"/>
+          </a:fillRef>
+          <a:effectRef idx="0">
+            <a:schemeClr val="accent1"/>
+          </a:effectRef>
+          <a:fontRef idx="minor">
+            <a:schemeClr val="tx1"/>
+          </a:fontRef>
+        </p:style>
+      </p:cxnSp>
+      <p:sp>
+        <p:nvSpPr>
+          <p:cNvPr id="34" name="正方形/長方形 33">
+            <a:extLst>
+              <a:ext uri="{FF2B5EF4-FFF2-40B4-BE49-F238E27FC236}">
+                <a16:creationId xmlns:a16="http://schemas.microsoft.com/office/drawing/2014/main" id="{8D445308-D1FD-4B3D-AAD7-293D606C32F9}"/>
+              </a:ext>
+            </a:extLst>
+          </p:cNvPr>
+          <p:cNvSpPr/>
+          <p:nvPr/>
+        </p:nvSpPr>
+        <p:spPr>
+          <a:xfrm>
+            <a:off x="10050011" y="3067375"/>
+            <a:ext cx="142611" cy="212721"/>
+          </a:xfrm>
+          <a:prstGeom prst="rect">
+            <a:avLst/>
+          </a:prstGeom>
+          <a:noFill/>
+          <a:ln>
+            <a:solidFill>
+              <a:srgbClr val="FF0000"/>
+            </a:solidFill>
+          </a:ln>
+        </p:spPr>
+        <p:style>
+          <a:lnRef idx="2">
+            <a:schemeClr val="accent1">
+              <a:shade val="50000"/>
+            </a:schemeClr>
+          </a:lnRef>
+          <a:fillRef idx="1">
+            <a:schemeClr val="accent1"/>
+          </a:fillRef>
+          <a:effectRef idx="0">
+            <a:schemeClr val="accent1"/>
+          </a:effectRef>
+          <a:fontRef idx="minor">
+            <a:schemeClr val="lt1"/>
+          </a:fontRef>
+        </p:style>
+        <p:txBody>
+          <a:bodyPr rtlCol="0" anchor="ctr"/>
+          <a:lstStyle/>
+          <a:p>
+            <a:pPr algn="ctr"/>
+            <a:endParaRPr kumimoji="1" lang="ja-JP" altLang="en-US"/>
+          </a:p>
+        </p:txBody>
+      </p:sp>
+      <p:cxnSp>
+        <p:nvCxnSpPr>
+          <p:cNvPr id="35" name="直線矢印コネクタ 34">
+            <a:extLst>
+              <a:ext uri="{FF2B5EF4-FFF2-40B4-BE49-F238E27FC236}">
+                <a16:creationId xmlns:a16="http://schemas.microsoft.com/office/drawing/2014/main" id="{DF8350BB-AB01-4939-B8F7-C2E2FEF615AB}"/>
+              </a:ext>
+            </a:extLst>
+          </p:cNvPr>
+          <p:cNvCxnSpPr>
+            <a:cxnSpLocks/>
+          </p:cNvCxnSpPr>
+          <p:nvPr/>
+        </p:nvCxnSpPr>
+        <p:spPr>
+          <a:xfrm>
+            <a:off x="10117124" y="2561268"/>
+            <a:ext cx="0" cy="506107"/>
           </a:xfrm>
           <a:prstGeom prst="straightConnector1">
             <a:avLst/>
@@ -5953,10 +7585,10 @@
       </p:cxnSp>
       <p:pic>
         <p:nvPicPr>
-          <p:cNvPr id="41" name="図 40">
-            <a:extLst>
-              <a:ext uri="{FF2B5EF4-FFF2-40B4-BE49-F238E27FC236}">
-                <a16:creationId xmlns:a16="http://schemas.microsoft.com/office/drawing/2014/main" id="{DF4F18A0-05A6-4508-BEA8-6EF894CA4A98}"/>
+          <p:cNvPr id="3" name="図 2">
+            <a:extLst>
+              <a:ext uri="{FF2B5EF4-FFF2-40B4-BE49-F238E27FC236}">
+                <a16:creationId xmlns:a16="http://schemas.microsoft.com/office/drawing/2014/main" id="{BB4DEFE3-6D4D-42A4-B4B3-B154B9D54699}"/>
               </a:ext>
             </a:extLst>
           </p:cNvPr>
@@ -5966,240 +7598,25 @@
           <p:nvPr/>
         </p:nvPicPr>
         <p:blipFill>
-          <a:blip r:embed="rId6"/>
+          <a:blip r:embed="rId4"/>
           <a:stretch>
             <a:fillRect/>
           </a:stretch>
         </p:blipFill>
         <p:spPr>
           <a:xfrm>
-            <a:off x="112669" y="4115175"/>
-            <a:ext cx="2457793" cy="1171739"/>
+            <a:off x="67706" y="869128"/>
+            <a:ext cx="3715729" cy="4496149"/>
           </a:xfrm>
           <a:prstGeom prst="rect">
             <a:avLst/>
           </a:prstGeom>
         </p:spPr>
       </p:pic>
-      <p:sp>
-        <p:nvSpPr>
-          <p:cNvPr id="42" name="テキスト ボックス 41">
-            <a:extLst>
-              <a:ext uri="{FF2B5EF4-FFF2-40B4-BE49-F238E27FC236}">
-                <a16:creationId xmlns:a16="http://schemas.microsoft.com/office/drawing/2014/main" id="{BC2DC79B-A880-4FDF-AAC0-7AF0DE7CA6C8}"/>
-              </a:ext>
-            </a:extLst>
-          </p:cNvPr>
-          <p:cNvSpPr txBox="1"/>
-          <p:nvPr/>
-        </p:nvSpPr>
-        <p:spPr>
-          <a:xfrm>
-            <a:off x="4245451" y="3550517"/>
-            <a:ext cx="2406479" cy="646331"/>
-          </a:xfrm>
-          <a:prstGeom prst="rect">
-            <a:avLst/>
-          </a:prstGeom>
-          <a:noFill/>
-        </p:spPr>
-        <p:txBody>
-          <a:bodyPr wrap="square" rtlCol="0">
-            <a:spAutoFit/>
-          </a:bodyPr>
-          <a:lstStyle/>
-          <a:p>
-            <a:r>
-              <a:rPr kumimoji="1" lang="ja-JP" altLang="en-US" b="1" dirty="0">
-                <a:latin typeface="メイリオ" panose="020B0604030504040204" pitchFamily="50" charset="-128"/>
-                <a:ea typeface="メイリオ" panose="020B0604030504040204" pitchFamily="50" charset="-128"/>
-              </a:rPr>
-              <a:t>次週に進んだ！</a:t>
-            </a:r>
-            <a:endParaRPr kumimoji="1" lang="en-US" altLang="ja-JP" b="1" dirty="0">
-              <a:latin typeface="メイリオ" panose="020B0604030504040204" pitchFamily="50" charset="-128"/>
-              <a:ea typeface="メイリオ" panose="020B0604030504040204" pitchFamily="50" charset="-128"/>
-            </a:endParaRPr>
-          </a:p>
-          <a:p>
-            <a:r>
-              <a:rPr lang="en-US" altLang="ja-JP" dirty="0">
-                <a:latin typeface="メイリオ" panose="020B0604030504040204" pitchFamily="50" charset="-128"/>
-                <a:ea typeface="メイリオ" panose="020B0604030504040204" pitchFamily="50" charset="-128"/>
-              </a:rPr>
-              <a:t>.lc</a:t>
-            </a:r>
-            <a:endParaRPr kumimoji="1" lang="ja-JP" altLang="en-US" dirty="0">
-              <a:latin typeface="メイリオ" panose="020B0604030504040204" pitchFamily="50" charset="-128"/>
-              <a:ea typeface="メイリオ" panose="020B0604030504040204" pitchFamily="50" charset="-128"/>
-            </a:endParaRPr>
-          </a:p>
-        </p:txBody>
-      </p:sp>
-      <p:pic>
-        <p:nvPicPr>
-          <p:cNvPr id="44" name="図 43">
-            <a:extLst>
-              <a:ext uri="{FF2B5EF4-FFF2-40B4-BE49-F238E27FC236}">
-                <a16:creationId xmlns:a16="http://schemas.microsoft.com/office/drawing/2014/main" id="{779A5C7C-368B-4762-8EAF-26B54B25082B}"/>
-              </a:ext>
-            </a:extLst>
-          </p:cNvPr>
-          <p:cNvPicPr>
-            <a:picLocks noChangeAspect="1"/>
-          </p:cNvPicPr>
-          <p:nvPr/>
-        </p:nvPicPr>
-        <p:blipFill>
-          <a:blip r:embed="rId7"/>
-          <a:stretch>
-            <a:fillRect/>
-          </a:stretch>
-        </p:blipFill>
-        <p:spPr>
-          <a:xfrm>
-            <a:off x="4365611" y="4199676"/>
-            <a:ext cx="2286319" cy="1124107"/>
-          </a:xfrm>
-          <a:prstGeom prst="rect">
-            <a:avLst/>
-          </a:prstGeom>
-        </p:spPr>
-      </p:pic>
-      <p:sp>
-        <p:nvSpPr>
-          <p:cNvPr id="45" name="テキスト ボックス 44">
-            <a:extLst>
-              <a:ext uri="{FF2B5EF4-FFF2-40B4-BE49-F238E27FC236}">
-                <a16:creationId xmlns:a16="http://schemas.microsoft.com/office/drawing/2014/main" id="{A15E5EF1-9160-48B9-863C-2EA8EE441D0D}"/>
-              </a:ext>
-            </a:extLst>
-          </p:cNvPr>
-          <p:cNvSpPr txBox="1"/>
-          <p:nvPr/>
-        </p:nvSpPr>
-        <p:spPr>
-          <a:xfrm>
-            <a:off x="7306764" y="3563672"/>
-            <a:ext cx="2406479" cy="646331"/>
-          </a:xfrm>
-          <a:prstGeom prst="rect">
-            <a:avLst/>
-          </a:prstGeom>
-          <a:noFill/>
-        </p:spPr>
-        <p:txBody>
-          <a:bodyPr wrap="square" rtlCol="0">
-            <a:spAutoFit/>
-          </a:bodyPr>
-          <a:lstStyle/>
-          <a:p>
-            <a:r>
-              <a:rPr kumimoji="1" lang="ja-JP" altLang="en-US" b="1" dirty="0">
-                <a:latin typeface="メイリオ" panose="020B0604030504040204" pitchFamily="50" charset="-128"/>
-                <a:ea typeface="メイリオ" panose="020B0604030504040204" pitchFamily="50" charset="-128"/>
-              </a:rPr>
-              <a:t>周数の設定</a:t>
-            </a:r>
-            <a:endParaRPr kumimoji="1" lang="en-US" altLang="ja-JP" b="1" dirty="0">
-              <a:latin typeface="メイリオ" panose="020B0604030504040204" pitchFamily="50" charset="-128"/>
-              <a:ea typeface="メイリオ" panose="020B0604030504040204" pitchFamily="50" charset="-128"/>
-            </a:endParaRPr>
-          </a:p>
-          <a:p>
-            <a:r>
-              <a:rPr kumimoji="1" lang="en-US" altLang="ja-JP" dirty="0">
-                <a:latin typeface="メイリオ" panose="020B0604030504040204" pitchFamily="50" charset="-128"/>
-                <a:ea typeface="メイリオ" panose="020B0604030504040204" pitchFamily="50" charset="-128"/>
-              </a:rPr>
-              <a:t>.lc set 5</a:t>
-            </a:r>
-            <a:endParaRPr kumimoji="1" lang="ja-JP" altLang="en-US" dirty="0">
-              <a:latin typeface="メイリオ" panose="020B0604030504040204" pitchFamily="50" charset="-128"/>
-              <a:ea typeface="メイリオ" panose="020B0604030504040204" pitchFamily="50" charset="-128"/>
-            </a:endParaRPr>
-          </a:p>
-        </p:txBody>
-      </p:sp>
-      <p:pic>
-        <p:nvPicPr>
-          <p:cNvPr id="47" name="図 46">
-            <a:extLst>
-              <a:ext uri="{FF2B5EF4-FFF2-40B4-BE49-F238E27FC236}">
-                <a16:creationId xmlns:a16="http://schemas.microsoft.com/office/drawing/2014/main" id="{1BD58F67-51E8-4636-9819-21F1543C6429}"/>
-              </a:ext>
-            </a:extLst>
-          </p:cNvPr>
-          <p:cNvPicPr>
-            <a:picLocks noChangeAspect="1"/>
-          </p:cNvPicPr>
-          <p:nvPr/>
-        </p:nvPicPr>
-        <p:blipFill>
-          <a:blip r:embed="rId8"/>
-          <a:stretch>
-            <a:fillRect/>
-          </a:stretch>
-        </p:blipFill>
-        <p:spPr>
-          <a:xfrm>
-            <a:off x="7306765" y="4196848"/>
-            <a:ext cx="2970429" cy="1090066"/>
-          </a:xfrm>
-          <a:prstGeom prst="rect">
-            <a:avLst/>
-          </a:prstGeom>
-        </p:spPr>
-      </p:pic>
-      <p:sp>
-        <p:nvSpPr>
-          <p:cNvPr id="48" name="テキスト ボックス 47">
-            <a:extLst>
-              <a:ext uri="{FF2B5EF4-FFF2-40B4-BE49-F238E27FC236}">
-                <a16:creationId xmlns:a16="http://schemas.microsoft.com/office/drawing/2014/main" id="{AEBD599E-D148-4D40-9447-8B5D89723335}"/>
-              </a:ext>
-            </a:extLst>
-          </p:cNvPr>
-          <p:cNvSpPr txBox="1"/>
-          <p:nvPr/>
-        </p:nvSpPr>
-        <p:spPr>
-          <a:xfrm>
-            <a:off x="7306764" y="5280327"/>
-            <a:ext cx="3707981" cy="369332"/>
-          </a:xfrm>
-          <a:prstGeom prst="rect">
-            <a:avLst/>
-          </a:prstGeom>
-          <a:noFill/>
-        </p:spPr>
-        <p:txBody>
-          <a:bodyPr wrap="square" rtlCol="0">
-            <a:spAutoFit/>
-          </a:bodyPr>
-          <a:lstStyle/>
-          <a:p>
-            <a:r>
-              <a:rPr kumimoji="1" lang="en-US" altLang="ja-JP" dirty="0">
-                <a:latin typeface="メイリオ" panose="020B0604030504040204" pitchFamily="50" charset="-128"/>
-                <a:ea typeface="メイリオ" panose="020B0604030504040204" pitchFamily="50" charset="-128"/>
-              </a:rPr>
-              <a:t>※.lc</a:t>
-            </a:r>
-            <a:r>
-              <a:rPr kumimoji="1" lang="ja-JP" altLang="en-US" dirty="0">
-                <a:latin typeface="メイリオ" panose="020B0604030504040204" pitchFamily="50" charset="-128"/>
-                <a:ea typeface="メイリオ" panose="020B0604030504040204" pitchFamily="50" charset="-128"/>
-              </a:rPr>
-              <a:t>コマンドを送りすぎた時とか</a:t>
-            </a:r>
-          </a:p>
-        </p:txBody>
-      </p:sp>
     </p:spTree>
     <p:extLst>
       <p:ext uri="{BB962C8B-B14F-4D97-AF65-F5344CB8AC3E}">
-        <p14:creationId xmlns:p14="http://schemas.microsoft.com/office/powerpoint/2010/main" val="2232227473"/>
+        <p14:creationId xmlns:p14="http://schemas.microsoft.com/office/powerpoint/2010/main" val="3623642140"/>
       </p:ext>
     </p:extLst>
   </p:cSld>
